--- a/Hyper Early Stop.pptx
+++ b/Hyper Early Stop.pptx
@@ -45,6 +45,8 @@
     <p:sldId id="289" r:id="rId40"/>
     <p:sldId id="290" r:id="rId41"/>
     <p:sldId id="291" r:id="rId42"/>
+    <p:sldId id="292" r:id="rId43"/>
+    <p:sldId id="293" r:id="rId44"/>
   </p:sldIdLst>
   <p:sldSz cy="5143500" cx="9144000"/>
   <p:notesSz cx="6858000" cy="9144000"/>
@@ -1247,7 +1249,7 @@
       </p:grpSpPr>
       <p:sp>
         <p:nvSpPr>
-          <p:cNvPr id="199" name="Google Shape;199;g28f4176a24f_1_0:notes"/>
+          <p:cNvPr id="199" name="Google Shape;199;g2dfcf260480_0_183:notes"/>
           <p:cNvSpPr/>
           <p:nvPr>
             <p:ph idx="2" type="sldImg"/>
@@ -1282,7 +1284,7 @@
       </p:sp>
       <p:sp>
         <p:nvSpPr>
-          <p:cNvPr id="200" name="Google Shape;200;g28f4176a24f_1_0:notes"/>
+          <p:cNvPr id="200" name="Google Shape;200;g2dfcf260480_0_183:notes"/>
           <p:cNvSpPr txBox="1"/>
           <p:nvPr>
             <p:ph idx="1" type="body"/>
@@ -1333,7 +1335,7 @@
   <p:cSld>
     <p:spTree>
       <p:nvGrpSpPr>
-        <p:cNvPr id="203" name="Shape 203"/>
+        <p:cNvPr id="204" name="Shape 204"/>
         <p:cNvGrpSpPr/>
         <p:nvPr/>
       </p:nvGrpSpPr>
@@ -1347,7 +1349,7 @@
       </p:grpSpPr>
       <p:sp>
         <p:nvSpPr>
-          <p:cNvPr id="204" name="Google Shape;204;g2cd56f96543_3_46:notes"/>
+          <p:cNvPr id="205" name="Google Shape;205;g28f4176a24f_1_0:notes"/>
           <p:cNvSpPr/>
           <p:nvPr>
             <p:ph idx="2" type="sldImg"/>
@@ -1382,7 +1384,7 @@
       </p:sp>
       <p:sp>
         <p:nvSpPr>
-          <p:cNvPr id="205" name="Google Shape;205;g2cd56f96543_3_46:notes"/>
+          <p:cNvPr id="206" name="Google Shape;206;g28f4176a24f_1_0:notes"/>
           <p:cNvSpPr txBox="1"/>
           <p:nvPr>
             <p:ph idx="1" type="body"/>
@@ -1413,7 +1415,8 @@
               <a:buNone/>
             </a:pPr>
             <a:r>
-              <a:t/>
+              <a:rPr lang="en"/>
+              <a:t>david</a:t>
             </a:r>
             <a:endParaRPr/>
           </a:p>
@@ -1446,7 +1449,7 @@
       </p:grpSpPr>
       <p:sp>
         <p:nvSpPr>
-          <p:cNvPr id="210" name="Google Shape;210;g2dfcf260480_0_65:notes"/>
+          <p:cNvPr id="210" name="Google Shape;210;g2cd56f96543_3_46:notes"/>
           <p:cNvSpPr/>
           <p:nvPr>
             <p:ph idx="2" type="sldImg"/>
@@ -1481,7 +1484,7 @@
       </p:sp>
       <p:sp>
         <p:nvSpPr>
-          <p:cNvPr id="211" name="Google Shape;211;g2dfcf260480_0_65:notes"/>
+          <p:cNvPr id="211" name="Google Shape;211;g2cd56f96543_3_46:notes"/>
           <p:cNvSpPr txBox="1"/>
           <p:nvPr>
             <p:ph idx="1" type="body"/>
@@ -1545,7 +1548,7 @@
       </p:grpSpPr>
       <p:sp>
         <p:nvSpPr>
-          <p:cNvPr id="216" name="Google Shape;216;g2dfcf260480_0_71:notes"/>
+          <p:cNvPr id="216" name="Google Shape;216;g2dfcf260480_0_65:notes"/>
           <p:cNvSpPr/>
           <p:nvPr>
             <p:ph idx="2" type="sldImg"/>
@@ -1580,7 +1583,7 @@
       </p:sp>
       <p:sp>
         <p:nvSpPr>
-          <p:cNvPr id="217" name="Google Shape;217;g2dfcf260480_0_71:notes"/>
+          <p:cNvPr id="217" name="Google Shape;217;g2dfcf260480_0_65:notes"/>
           <p:cNvSpPr txBox="1"/>
           <p:nvPr>
             <p:ph idx="1" type="body"/>
@@ -1611,8 +1614,7 @@
               <a:buNone/>
             </a:pPr>
             <a:r>
-              <a:rPr lang="en"/>
-              <a:t>david</a:t>
+              <a:t/>
             </a:r>
             <a:endParaRPr/>
           </a:p>
@@ -1631,7 +1633,7 @@
   <p:cSld>
     <p:spTree>
       <p:nvGrpSpPr>
-        <p:cNvPr id="220" name="Shape 220"/>
+        <p:cNvPr id="221" name="Shape 221"/>
         <p:cNvGrpSpPr/>
         <p:nvPr/>
       </p:nvGrpSpPr>
@@ -1645,7 +1647,7 @@
       </p:grpSpPr>
       <p:sp>
         <p:nvSpPr>
-          <p:cNvPr id="221" name="Google Shape;221;g2dfcf260480_0_75:notes"/>
+          <p:cNvPr id="222" name="Google Shape;222;g2dfcf260480_0_71:notes"/>
           <p:cNvSpPr/>
           <p:nvPr>
             <p:ph idx="2" type="sldImg"/>
@@ -1680,7 +1682,7 @@
       </p:sp>
       <p:sp>
         <p:nvSpPr>
-          <p:cNvPr id="222" name="Google Shape;222;g2dfcf260480_0_75:notes"/>
+          <p:cNvPr id="223" name="Google Shape;223;g2dfcf260480_0_71:notes"/>
           <p:cNvSpPr txBox="1"/>
           <p:nvPr>
             <p:ph idx="1" type="body"/>
@@ -1711,7 +1713,8 @@
               <a:buNone/>
             </a:pPr>
             <a:r>
-              <a:t/>
+              <a:rPr lang="en"/>
+              <a:t>david</a:t>
             </a:r>
             <a:endParaRPr/>
           </a:p>
@@ -1744,7 +1747,7 @@
       </p:grpSpPr>
       <p:sp>
         <p:nvSpPr>
-          <p:cNvPr id="227" name="Google Shape;227;g2dfcf260480_0_80:notes"/>
+          <p:cNvPr id="227" name="Google Shape;227;g2dfcf260480_0_75:notes"/>
           <p:cNvSpPr/>
           <p:nvPr>
             <p:ph idx="2" type="sldImg"/>
@@ -1779,7 +1782,7 @@
       </p:sp>
       <p:sp>
         <p:nvSpPr>
-          <p:cNvPr id="228" name="Google Shape;228;g2dfcf260480_0_80:notes"/>
+          <p:cNvPr id="228" name="Google Shape;228;g2dfcf260480_0_75:notes"/>
           <p:cNvSpPr txBox="1"/>
           <p:nvPr>
             <p:ph idx="1" type="body"/>
@@ -1843,7 +1846,7 @@
       </p:grpSpPr>
       <p:sp>
         <p:nvSpPr>
-          <p:cNvPr id="233" name="Google Shape;233;g2dfcf260480_0_85:notes"/>
+          <p:cNvPr id="233" name="Google Shape;233;g2dfcf260480_0_80:notes"/>
           <p:cNvSpPr/>
           <p:nvPr>
             <p:ph idx="2" type="sldImg"/>
@@ -1878,7 +1881,7 @@
       </p:sp>
       <p:sp>
         <p:nvSpPr>
-          <p:cNvPr id="234" name="Google Shape;234;g2dfcf260480_0_85:notes"/>
+          <p:cNvPr id="234" name="Google Shape;234;g2dfcf260480_0_80:notes"/>
           <p:cNvSpPr txBox="1"/>
           <p:nvPr>
             <p:ph idx="1" type="body"/>
@@ -1909,8 +1912,7 @@
               <a:buNone/>
             </a:pPr>
             <a:r>
-              <a:rPr lang="en"/>
-              <a:t>david</a:t>
+              <a:t/>
             </a:r>
             <a:endParaRPr/>
           </a:p>
@@ -2028,7 +2030,7 @@
   <p:cSld>
     <p:spTree>
       <p:nvGrpSpPr>
-        <p:cNvPr id="237" name="Shape 237"/>
+        <p:cNvPr id="238" name="Shape 238"/>
         <p:cNvGrpSpPr/>
         <p:nvPr/>
       </p:nvGrpSpPr>
@@ -2042,7 +2044,7 @@
       </p:grpSpPr>
       <p:sp>
         <p:nvSpPr>
-          <p:cNvPr id="238" name="Google Shape;238;g2dfcf260480_0_89:notes"/>
+          <p:cNvPr id="239" name="Google Shape;239;g2dfcf260480_0_85:notes"/>
           <p:cNvSpPr/>
           <p:nvPr>
             <p:ph idx="2" type="sldImg"/>
@@ -2077,7 +2079,7 @@
       </p:sp>
       <p:sp>
         <p:nvSpPr>
-          <p:cNvPr id="239" name="Google Shape;239;g2dfcf260480_0_89:notes"/>
+          <p:cNvPr id="240" name="Google Shape;240;g2dfcf260480_0_85:notes"/>
           <p:cNvSpPr txBox="1"/>
           <p:nvPr>
             <p:ph idx="1" type="body"/>
@@ -2108,7 +2110,8 @@
               <a:buNone/>
             </a:pPr>
             <a:r>
-              <a:t/>
+              <a:rPr lang="en"/>
+              <a:t>david</a:t>
             </a:r>
             <a:endParaRPr/>
           </a:p>
@@ -2141,7 +2144,7 @@
       </p:grpSpPr>
       <p:sp>
         <p:nvSpPr>
-          <p:cNvPr id="244" name="Google Shape;244;g2dfcf260480_0_94:notes"/>
+          <p:cNvPr id="244" name="Google Shape;244;g2dfcf260480_0_89:notes"/>
           <p:cNvSpPr/>
           <p:nvPr>
             <p:ph idx="2" type="sldImg"/>
@@ -2176,7 +2179,7 @@
       </p:sp>
       <p:sp>
         <p:nvSpPr>
-          <p:cNvPr id="245" name="Google Shape;245;g2dfcf260480_0_94:notes"/>
+          <p:cNvPr id="245" name="Google Shape;245;g2dfcf260480_0_89:notes"/>
           <p:cNvSpPr txBox="1"/>
           <p:nvPr>
             <p:ph idx="1" type="body"/>
@@ -2240,7 +2243,7 @@
       </p:grpSpPr>
       <p:sp>
         <p:nvSpPr>
-          <p:cNvPr id="250" name="Google Shape;250;g2dfcf260480_0_99:notes"/>
+          <p:cNvPr id="250" name="Google Shape;250;g2dfcf260480_0_94:notes"/>
           <p:cNvSpPr/>
           <p:nvPr>
             <p:ph idx="2" type="sldImg"/>
@@ -2275,7 +2278,7 @@
       </p:sp>
       <p:sp>
         <p:nvSpPr>
-          <p:cNvPr id="251" name="Google Shape;251;g2dfcf260480_0_99:notes"/>
+          <p:cNvPr id="251" name="Google Shape;251;g2dfcf260480_0_94:notes"/>
           <p:cNvSpPr txBox="1"/>
           <p:nvPr>
             <p:ph idx="1" type="body"/>
@@ -2306,8 +2309,7 @@
               <a:buNone/>
             </a:pPr>
             <a:r>
-              <a:rPr lang="en"/>
-              <a:t>david</a:t>
+              <a:t/>
             </a:r>
             <a:endParaRPr/>
           </a:p>
@@ -2326,7 +2328,7 @@
   <p:cSld>
     <p:spTree>
       <p:nvGrpSpPr>
-        <p:cNvPr id="254" name="Shape 254"/>
+        <p:cNvPr id="255" name="Shape 255"/>
         <p:cNvGrpSpPr/>
         <p:nvPr/>
       </p:nvGrpSpPr>
@@ -2340,7 +2342,7 @@
       </p:grpSpPr>
       <p:sp>
         <p:nvSpPr>
-          <p:cNvPr id="255" name="Google Shape;255;g2dfcf260480_0_103:notes"/>
+          <p:cNvPr id="256" name="Google Shape;256;g2dfcf260480_0_99:notes"/>
           <p:cNvSpPr/>
           <p:nvPr>
             <p:ph idx="2" type="sldImg"/>
@@ -2375,7 +2377,7 @@
       </p:sp>
       <p:sp>
         <p:nvSpPr>
-          <p:cNvPr id="256" name="Google Shape;256;g2dfcf260480_0_103:notes"/>
+          <p:cNvPr id="257" name="Google Shape;257;g2dfcf260480_0_99:notes"/>
           <p:cNvSpPr txBox="1"/>
           <p:nvPr>
             <p:ph idx="1" type="body"/>
@@ -2406,7 +2408,8 @@
               <a:buNone/>
             </a:pPr>
             <a:r>
-              <a:t/>
+              <a:rPr lang="en"/>
+              <a:t>david</a:t>
             </a:r>
             <a:endParaRPr/>
           </a:p>
@@ -2439,7 +2442,7 @@
       </p:grpSpPr>
       <p:sp>
         <p:nvSpPr>
-          <p:cNvPr id="261" name="Google Shape;261;g2dfcf260480_0_108:notes"/>
+          <p:cNvPr id="261" name="Google Shape;261;g2dfcf260480_0_103:notes"/>
           <p:cNvSpPr/>
           <p:nvPr>
             <p:ph idx="2" type="sldImg"/>
@@ -2474,7 +2477,7 @@
       </p:sp>
       <p:sp>
         <p:nvSpPr>
-          <p:cNvPr id="262" name="Google Shape;262;g2dfcf260480_0_108:notes"/>
+          <p:cNvPr id="262" name="Google Shape;262;g2dfcf260480_0_103:notes"/>
           <p:cNvSpPr txBox="1"/>
           <p:nvPr>
             <p:ph idx="1" type="body"/>
@@ -2538,7 +2541,7 @@
       </p:grpSpPr>
       <p:sp>
         <p:nvSpPr>
-          <p:cNvPr id="267" name="Google Shape;267;g2dfcf260480_0_120:notes"/>
+          <p:cNvPr id="267" name="Google Shape;267;g2dfcf260480_0_108:notes"/>
           <p:cNvSpPr/>
           <p:nvPr>
             <p:ph idx="2" type="sldImg"/>
@@ -2573,7 +2576,7 @@
       </p:sp>
       <p:sp>
         <p:nvSpPr>
-          <p:cNvPr id="268" name="Google Shape;268;g2dfcf260480_0_120:notes"/>
+          <p:cNvPr id="268" name="Google Shape;268;g2dfcf260480_0_108:notes"/>
           <p:cNvSpPr txBox="1"/>
           <p:nvPr>
             <p:ph idx="1" type="body"/>
@@ -2604,8 +2607,7 @@
               <a:buNone/>
             </a:pPr>
             <a:r>
-              <a:rPr lang="en"/>
-              <a:t>david</a:t>
+              <a:t/>
             </a:r>
             <a:endParaRPr/>
           </a:p>
@@ -2624,7 +2626,7 @@
   <p:cSld>
     <p:spTree>
       <p:nvGrpSpPr>
-        <p:cNvPr id="271" name="Shape 271"/>
+        <p:cNvPr id="272" name="Shape 272"/>
         <p:cNvGrpSpPr/>
         <p:nvPr/>
       </p:nvGrpSpPr>
@@ -2638,7 +2640,7 @@
       </p:grpSpPr>
       <p:sp>
         <p:nvSpPr>
-          <p:cNvPr id="272" name="Google Shape;272;g2dfcf260480_0_124:notes"/>
+          <p:cNvPr id="273" name="Google Shape;273;g2dfcf260480_0_120:notes"/>
           <p:cNvSpPr/>
           <p:nvPr>
             <p:ph idx="2" type="sldImg"/>
@@ -2673,7 +2675,7 @@
       </p:sp>
       <p:sp>
         <p:nvSpPr>
-          <p:cNvPr id="273" name="Google Shape;273;g2dfcf260480_0_124:notes"/>
+          <p:cNvPr id="274" name="Google Shape;274;g2dfcf260480_0_120:notes"/>
           <p:cNvSpPr txBox="1"/>
           <p:nvPr>
             <p:ph idx="1" type="body"/>
@@ -2704,7 +2706,8 @@
               <a:buNone/>
             </a:pPr>
             <a:r>
-              <a:t/>
+              <a:rPr lang="en"/>
+              <a:t>david</a:t>
             </a:r>
             <a:endParaRPr/>
           </a:p>
@@ -2737,7 +2740,7 @@
       </p:grpSpPr>
       <p:sp>
         <p:nvSpPr>
-          <p:cNvPr id="278" name="Google Shape;278;g2dfcf260480_0_129:notes"/>
+          <p:cNvPr id="278" name="Google Shape;278;g2dfcf260480_0_124:notes"/>
           <p:cNvSpPr/>
           <p:nvPr>
             <p:ph idx="2" type="sldImg"/>
@@ -2772,7 +2775,7 @@
       </p:sp>
       <p:sp>
         <p:nvSpPr>
-          <p:cNvPr id="279" name="Google Shape;279;g2dfcf260480_0_129:notes"/>
+          <p:cNvPr id="279" name="Google Shape;279;g2dfcf260480_0_124:notes"/>
           <p:cNvSpPr txBox="1"/>
           <p:nvPr>
             <p:ph idx="1" type="body"/>
@@ -2836,7 +2839,7 @@
       </p:grpSpPr>
       <p:sp>
         <p:nvSpPr>
-          <p:cNvPr id="284" name="Google Shape;284;g2dfcf260480_0_136:notes"/>
+          <p:cNvPr id="284" name="Google Shape;284;g2dfcf260480_0_129:notes"/>
           <p:cNvSpPr/>
           <p:nvPr>
             <p:ph idx="2" type="sldImg"/>
@@ -2871,7 +2874,7 @@
       </p:sp>
       <p:sp>
         <p:nvSpPr>
-          <p:cNvPr id="285" name="Google Shape;285;g2dfcf260480_0_136:notes"/>
+          <p:cNvPr id="285" name="Google Shape;285;g2dfcf260480_0_129:notes"/>
           <p:cNvSpPr txBox="1"/>
           <p:nvPr>
             <p:ph idx="1" type="body"/>
@@ -2902,8 +2905,7 @@
               <a:buNone/>
             </a:pPr>
             <a:r>
-              <a:rPr lang="en"/>
-              <a:t>david</a:t>
+              <a:t/>
             </a:r>
             <a:endParaRPr/>
           </a:p>
@@ -2936,7 +2938,7 @@
       </p:grpSpPr>
       <p:sp>
         <p:nvSpPr>
-          <p:cNvPr id="290" name="Google Shape;290;g2dfcf260480_0_141:notes"/>
+          <p:cNvPr id="290" name="Google Shape;290;g2dfcf260480_0_136:notes"/>
           <p:cNvSpPr/>
           <p:nvPr>
             <p:ph idx="2" type="sldImg"/>
@@ -2971,7 +2973,7 @@
       </p:sp>
       <p:sp>
         <p:nvSpPr>
-          <p:cNvPr id="291" name="Google Shape;291;g2dfcf260480_0_141:notes"/>
+          <p:cNvPr id="291" name="Google Shape;291;g2dfcf260480_0_136:notes"/>
           <p:cNvSpPr txBox="1"/>
           <p:nvPr>
             <p:ph idx="1" type="body"/>
@@ -3135,7 +3137,7 @@
       </p:grpSpPr>
       <p:sp>
         <p:nvSpPr>
-          <p:cNvPr id="296" name="Google Shape;296;g2dfcf260480_0_146:notes"/>
+          <p:cNvPr id="296" name="Google Shape;296;g2dfcf260480_0_141:notes"/>
           <p:cNvSpPr/>
           <p:nvPr>
             <p:ph idx="2" type="sldImg"/>
@@ -3170,7 +3172,7 @@
       </p:sp>
       <p:sp>
         <p:nvSpPr>
-          <p:cNvPr id="297" name="Google Shape;297;g2dfcf260480_0_146:notes"/>
+          <p:cNvPr id="297" name="Google Shape;297;g2dfcf260480_0_141:notes"/>
           <p:cNvSpPr txBox="1"/>
           <p:nvPr>
             <p:ph idx="1" type="body"/>
@@ -3235,7 +3237,7 @@
       </p:grpSpPr>
       <p:sp>
         <p:nvSpPr>
-          <p:cNvPr id="302" name="Google Shape;302;g2dfcf260480_0_152:notes"/>
+          <p:cNvPr id="302" name="Google Shape;302;g2dfcf260480_0_146:notes"/>
           <p:cNvSpPr/>
           <p:nvPr>
             <p:ph idx="2" type="sldImg"/>
@@ -3270,7 +3272,7 @@
       </p:sp>
       <p:sp>
         <p:nvSpPr>
-          <p:cNvPr id="303" name="Google Shape;303;g2dfcf260480_0_152:notes"/>
+          <p:cNvPr id="303" name="Google Shape;303;g2dfcf260480_0_146:notes"/>
           <p:cNvSpPr txBox="1"/>
           <p:nvPr>
             <p:ph idx="1" type="body"/>
@@ -3321,7 +3323,7 @@
   <p:cSld>
     <p:spTree>
       <p:nvGrpSpPr>
-        <p:cNvPr id="308" name="Shape 308"/>
+        <p:cNvPr id="307" name="Shape 307"/>
         <p:cNvGrpSpPr/>
         <p:nvPr/>
       </p:nvGrpSpPr>
@@ -3335,7 +3337,7 @@
       </p:grpSpPr>
       <p:sp>
         <p:nvSpPr>
-          <p:cNvPr id="309" name="Google Shape;309;g2dfcf260480_0_158:notes"/>
+          <p:cNvPr id="308" name="Google Shape;308;g2dfcf260480_0_152:notes"/>
           <p:cNvSpPr/>
           <p:nvPr>
             <p:ph idx="2" type="sldImg"/>
@@ -3370,7 +3372,7 @@
       </p:sp>
       <p:sp>
         <p:nvSpPr>
-          <p:cNvPr id="310" name="Google Shape;310;g2dfcf260480_0_158:notes"/>
+          <p:cNvPr id="309" name="Google Shape;309;g2dfcf260480_0_152:notes"/>
           <p:cNvSpPr txBox="1"/>
           <p:nvPr>
             <p:ph idx="1" type="body"/>
@@ -3435,7 +3437,7 @@
       </p:grpSpPr>
       <p:sp>
         <p:nvSpPr>
-          <p:cNvPr id="315" name="Google Shape;315;g2dfcf260480_0_164:notes"/>
+          <p:cNvPr id="315" name="Google Shape;315;g2dfcf260480_0_158:notes"/>
           <p:cNvSpPr/>
           <p:nvPr>
             <p:ph idx="2" type="sldImg"/>
@@ -3470,7 +3472,7 @@
       </p:sp>
       <p:sp>
         <p:nvSpPr>
-          <p:cNvPr id="316" name="Google Shape;316;g2dfcf260480_0_164:notes"/>
+          <p:cNvPr id="316" name="Google Shape;316;g2dfcf260480_0_158:notes"/>
           <p:cNvSpPr txBox="1"/>
           <p:nvPr>
             <p:ph idx="1" type="body"/>
@@ -3535,7 +3537,7 @@
       </p:grpSpPr>
       <p:sp>
         <p:nvSpPr>
-          <p:cNvPr id="321" name="Google Shape;321;g2dfcf260480_0_169:notes"/>
+          <p:cNvPr id="321" name="Google Shape;321;g2dfcf260480_0_189:notes"/>
           <p:cNvSpPr/>
           <p:nvPr>
             <p:ph idx="2" type="sldImg"/>
@@ -3570,7 +3572,7 @@
       </p:sp>
       <p:sp>
         <p:nvSpPr>
-          <p:cNvPr id="322" name="Google Shape;322;g2dfcf260480_0_169:notes"/>
+          <p:cNvPr id="322" name="Google Shape;322;g2dfcf260480_0_189:notes"/>
           <p:cNvSpPr txBox="1"/>
           <p:nvPr>
             <p:ph idx="1" type="body"/>
@@ -3635,7 +3637,7 @@
       </p:grpSpPr>
       <p:sp>
         <p:nvSpPr>
-          <p:cNvPr id="327" name="Google Shape;327;g2dfcf260480_0_175:notes"/>
+          <p:cNvPr id="327" name="Google Shape;327;g2dfcf260480_0_164:notes"/>
           <p:cNvSpPr/>
           <p:nvPr>
             <p:ph idx="2" type="sldImg"/>
@@ -3670,7 +3672,7 @@
       </p:sp>
       <p:sp>
         <p:nvSpPr>
-          <p:cNvPr id="328" name="Google Shape;328;g2dfcf260480_0_175:notes"/>
+          <p:cNvPr id="328" name="Google Shape;328;g2dfcf260480_0_164:notes"/>
           <p:cNvSpPr txBox="1"/>
           <p:nvPr>
             <p:ph idx="1" type="body"/>
@@ -3735,7 +3737,207 @@
       </p:grpSpPr>
       <p:sp>
         <p:nvSpPr>
-          <p:cNvPr id="333" name="Google Shape;333;g294aaefc9c6_1_278:notes"/>
+          <p:cNvPr id="333" name="Google Shape;333;g2dfcf260480_0_169:notes"/>
+          <p:cNvSpPr/>
+          <p:nvPr>
+            <p:ph idx="2" type="sldImg"/>
+          </p:nvPr>
+        </p:nvSpPr>
+        <p:spPr>
+          <a:xfrm>
+            <a:off x="381300" y="685800"/>
+            <a:ext cx="6096000" cy="3429000"/>
+          </a:xfrm>
+          <a:custGeom>
+            <a:rect b="b" l="l" r="r" t="t"/>
+            <a:pathLst>
+              <a:path extrusionOk="0" h="120000" w="120000">
+                <a:moveTo>
+                  <a:pt x="0" y="0"/>
+                </a:moveTo>
+                <a:lnTo>
+                  <a:pt x="120000" y="0"/>
+                </a:lnTo>
+                <a:lnTo>
+                  <a:pt x="120000" y="120000"/>
+                </a:lnTo>
+                <a:lnTo>
+                  <a:pt x="0" y="120000"/>
+                </a:lnTo>
+                <a:close/>
+              </a:path>
+            </a:pathLst>
+          </a:custGeom>
+        </p:spPr>
+      </p:sp>
+      <p:sp>
+        <p:nvSpPr>
+          <p:cNvPr id="334" name="Google Shape;334;g2dfcf260480_0_169:notes"/>
+          <p:cNvSpPr txBox="1"/>
+          <p:nvPr>
+            <p:ph idx="1" type="body"/>
+          </p:nvPr>
+        </p:nvSpPr>
+        <p:spPr>
+          <a:xfrm>
+            <a:off x="685800" y="4343400"/>
+            <a:ext cx="5486400" cy="4114800"/>
+          </a:xfrm>
+          <a:prstGeom prst="rect">
+            <a:avLst/>
+          </a:prstGeom>
+        </p:spPr>
+        <p:txBody>
+          <a:bodyPr anchorCtr="0" anchor="t" bIns="91425" lIns="91425" spcFirstLastPara="1" rIns="91425" wrap="square" tIns="91425">
+            <a:noAutofit/>
+          </a:bodyPr>
+          <a:lstStyle/>
+          <a:p>
+            <a:pPr indent="0" lvl="0" marL="0" rtl="0" algn="l">
+              <a:spcBef>
+                <a:spcPts val="0"/>
+              </a:spcBef>
+              <a:spcAft>
+                <a:spcPts val="0"/>
+              </a:spcAft>
+              <a:buNone/>
+            </a:pPr>
+            <a:r>
+              <a:rPr lang="en"/>
+              <a:t>david</a:t>
+            </a:r>
+            <a:endParaRPr/>
+          </a:p>
+        </p:txBody>
+      </p:sp>
+    </p:spTree>
+  </p:cSld>
+  <p:clrMapOvr>
+    <a:masterClrMapping/>
+  </p:clrMapOvr>
+</p:notes>
+</file>
+
+<file path=ppt/notesSlides/notesSlide37.xml><?xml version="1.0" encoding="utf-8"?>
+<p:notes xmlns:a="http://schemas.openxmlformats.org/drawingml/2006/main" xmlns:r="http://schemas.openxmlformats.org/officeDocument/2006/relationships" xmlns:mc="http://schemas.openxmlformats.org/markup-compatibility/2006" xmlns:mv="urn:schemas-microsoft-com:mac:vml" xmlns:p="http://schemas.openxmlformats.org/presentationml/2006/main" xmlns:c="http://schemas.openxmlformats.org/drawingml/2006/chart" xmlns:dgm="http://schemas.openxmlformats.org/drawingml/2006/diagram" xmlns:o="urn:schemas-microsoft-com:office:office" xmlns:v="urn:schemas-microsoft-com:vml" xmlns:pvml="urn:schemas-microsoft-com:office:powerpoint" xmlns:com="http://schemas.openxmlformats.org/drawingml/2006/compatibility" xmlns:p14="http://schemas.microsoft.com/office/powerpoint/2010/main" xmlns:p15="http://schemas.microsoft.com/office/powerpoint/2012/main" xmlns:ahyp="http://schemas.microsoft.com/office/drawing/2018/hyperlinkcolor" showMasterPhAnim="0" showMasterSp="0">
+  <p:cSld>
+    <p:spTree>
+      <p:nvGrpSpPr>
+        <p:cNvPr id="338" name="Shape 338"/>
+        <p:cNvGrpSpPr/>
+        <p:nvPr/>
+      </p:nvGrpSpPr>
+      <p:grpSpPr>
+        <a:xfrm>
+          <a:off x="0" y="0"/>
+          <a:ext cx="0" cy="0"/>
+          <a:chOff x="0" y="0"/>
+          <a:chExt cx="0" cy="0"/>
+        </a:xfrm>
+      </p:grpSpPr>
+      <p:sp>
+        <p:nvSpPr>
+          <p:cNvPr id="339" name="Google Shape;339;g2dfcf260480_0_175:notes"/>
+          <p:cNvSpPr/>
+          <p:nvPr>
+            <p:ph idx="2" type="sldImg"/>
+          </p:nvPr>
+        </p:nvSpPr>
+        <p:spPr>
+          <a:xfrm>
+            <a:off x="381300" y="685800"/>
+            <a:ext cx="6096000" cy="3429000"/>
+          </a:xfrm>
+          <a:custGeom>
+            <a:rect b="b" l="l" r="r" t="t"/>
+            <a:pathLst>
+              <a:path extrusionOk="0" h="120000" w="120000">
+                <a:moveTo>
+                  <a:pt x="0" y="0"/>
+                </a:moveTo>
+                <a:lnTo>
+                  <a:pt x="120000" y="0"/>
+                </a:lnTo>
+                <a:lnTo>
+                  <a:pt x="120000" y="120000"/>
+                </a:lnTo>
+                <a:lnTo>
+                  <a:pt x="0" y="120000"/>
+                </a:lnTo>
+                <a:close/>
+              </a:path>
+            </a:pathLst>
+          </a:custGeom>
+        </p:spPr>
+      </p:sp>
+      <p:sp>
+        <p:nvSpPr>
+          <p:cNvPr id="340" name="Google Shape;340;g2dfcf260480_0_175:notes"/>
+          <p:cNvSpPr txBox="1"/>
+          <p:nvPr>
+            <p:ph idx="1" type="body"/>
+          </p:nvPr>
+        </p:nvSpPr>
+        <p:spPr>
+          <a:xfrm>
+            <a:off x="685800" y="4343400"/>
+            <a:ext cx="5486400" cy="4114800"/>
+          </a:xfrm>
+          <a:prstGeom prst="rect">
+            <a:avLst/>
+          </a:prstGeom>
+        </p:spPr>
+        <p:txBody>
+          <a:bodyPr anchorCtr="0" anchor="t" bIns="91425" lIns="91425" spcFirstLastPara="1" rIns="91425" wrap="square" tIns="91425">
+            <a:noAutofit/>
+          </a:bodyPr>
+          <a:lstStyle/>
+          <a:p>
+            <a:pPr indent="0" lvl="0" marL="0" rtl="0" algn="l">
+              <a:spcBef>
+                <a:spcPts val="0"/>
+              </a:spcBef>
+              <a:spcAft>
+                <a:spcPts val="0"/>
+              </a:spcAft>
+              <a:buNone/>
+            </a:pPr>
+            <a:r>
+              <a:rPr lang="en"/>
+              <a:t>david</a:t>
+            </a:r>
+            <a:endParaRPr/>
+          </a:p>
+        </p:txBody>
+      </p:sp>
+    </p:spTree>
+  </p:cSld>
+  <p:clrMapOvr>
+    <a:masterClrMapping/>
+  </p:clrMapOvr>
+</p:notes>
+</file>
+
+<file path=ppt/notesSlides/notesSlide38.xml><?xml version="1.0" encoding="utf-8"?>
+<p:notes xmlns:a="http://schemas.openxmlformats.org/drawingml/2006/main" xmlns:r="http://schemas.openxmlformats.org/officeDocument/2006/relationships" xmlns:mc="http://schemas.openxmlformats.org/markup-compatibility/2006" xmlns:mv="urn:schemas-microsoft-com:mac:vml" xmlns:p="http://schemas.openxmlformats.org/presentationml/2006/main" xmlns:c="http://schemas.openxmlformats.org/drawingml/2006/chart" xmlns:dgm="http://schemas.openxmlformats.org/drawingml/2006/diagram" xmlns:o="urn:schemas-microsoft-com:office:office" xmlns:v="urn:schemas-microsoft-com:vml" xmlns:pvml="urn:schemas-microsoft-com:office:powerpoint" xmlns:com="http://schemas.openxmlformats.org/drawingml/2006/compatibility" xmlns:p14="http://schemas.microsoft.com/office/powerpoint/2010/main" xmlns:p15="http://schemas.microsoft.com/office/powerpoint/2012/main" xmlns:ahyp="http://schemas.microsoft.com/office/drawing/2018/hyperlinkcolor" showMasterPhAnim="0" showMasterSp="0">
+  <p:cSld>
+    <p:spTree>
+      <p:nvGrpSpPr>
+        <p:cNvPr id="344" name="Shape 344"/>
+        <p:cNvGrpSpPr/>
+        <p:nvPr/>
+      </p:nvGrpSpPr>
+      <p:grpSpPr>
+        <a:xfrm>
+          <a:off x="0" y="0"/>
+          <a:ext cx="0" cy="0"/>
+          <a:chOff x="0" y="0"/>
+          <a:chExt cx="0" cy="0"/>
+        </a:xfrm>
+      </p:grpSpPr>
+      <p:sp>
+        <p:nvSpPr>
+          <p:cNvPr id="345" name="Google Shape;345;g294aaefc9c6_1_278:notes"/>
           <p:cNvSpPr/>
           <p:nvPr>
             <p:ph idx="2" type="sldImg"/>
@@ -3780,7 +3982,7 @@
       </p:sp>
       <p:sp>
         <p:nvSpPr>
-          <p:cNvPr id="334" name="Google Shape;334;g294aaefc9c6_1_278:notes"/>
+          <p:cNvPr id="346" name="Google Shape;346;g294aaefc9c6_1_278:notes"/>
           <p:cNvSpPr txBox="1"/>
           <p:nvPr>
             <p:ph idx="1" type="body"/>
@@ -3823,7 +4025,7 @@
       </p:sp>
       <p:sp>
         <p:nvSpPr>
-          <p:cNvPr id="335" name="Google Shape;335;g294aaefc9c6_1_278:notes"/>
+          <p:cNvPr id="347" name="Google Shape;347;g294aaefc9c6_1_278:notes"/>
           <p:cNvSpPr txBox="1"/>
           <p:nvPr>
             <p:ph idx="12" type="sldNum"/>
@@ -20396,6 +20598,99 @@
         </p:nvSpPr>
         <p:spPr>
           <a:xfrm>
+            <a:off x="457200" y="675085"/>
+            <a:ext cx="8229600" cy="801300"/>
+          </a:xfrm>
+          <a:prstGeom prst="rect">
+            <a:avLst/>
+          </a:prstGeom>
+        </p:spPr>
+        <p:txBody>
+          <a:bodyPr anchorCtr="0" anchor="ctr" bIns="45700" lIns="91425" spcFirstLastPara="1" rIns="91425" wrap="square" tIns="45700">
+            <a:noAutofit/>
+          </a:bodyPr>
+          <a:lstStyle/>
+          <a:p>
+            <a:pPr indent="0" lvl="0" marL="0" rtl="0" algn="ctr">
+              <a:spcBef>
+                <a:spcPts val="0"/>
+              </a:spcBef>
+              <a:spcAft>
+                <a:spcPts val="0"/>
+              </a:spcAft>
+              <a:buNone/>
+            </a:pPr>
+            <a:r>
+              <a:rPr lang="en"/>
+              <a:t>GPU used</a:t>
+            </a:r>
+            <a:endParaRPr/>
+          </a:p>
+        </p:txBody>
+      </p:sp>
+      <p:pic>
+        <p:nvPicPr>
+          <p:cNvPr id="203" name="Google Shape;203;p37"/>
+          <p:cNvPicPr preferRelativeResize="0"/>
+          <p:nvPr/>
+        </p:nvPicPr>
+        <p:blipFill>
+          <a:blip r:embed="rId3">
+            <a:alphaModFix/>
+          </a:blip>
+          <a:stretch>
+            <a:fillRect/>
+          </a:stretch>
+        </p:blipFill>
+        <p:spPr>
+          <a:xfrm>
+            <a:off x="1806587" y="1582575"/>
+            <a:ext cx="5530824" cy="3342225"/>
+          </a:xfrm>
+          <a:prstGeom prst="rect">
+            <a:avLst/>
+          </a:prstGeom>
+          <a:noFill/>
+          <a:ln>
+            <a:noFill/>
+          </a:ln>
+        </p:spPr>
+      </p:pic>
+    </p:spTree>
+  </p:cSld>
+  <p:clrMapOvr>
+    <a:masterClrMapping/>
+  </p:clrMapOvr>
+</p:sld>
+</file>
+
+<file path=ppt/slides/slide14.xml><?xml version="1.0" encoding="utf-8"?>
+<p:sld xmlns:a="http://schemas.openxmlformats.org/drawingml/2006/main" xmlns:r="http://schemas.openxmlformats.org/officeDocument/2006/relationships" xmlns:mc="http://schemas.openxmlformats.org/markup-compatibility/2006" xmlns:mv="urn:schemas-microsoft-com:mac:vml" xmlns:p="http://schemas.openxmlformats.org/presentationml/2006/main" xmlns:c="http://schemas.openxmlformats.org/drawingml/2006/chart" xmlns:dgm="http://schemas.openxmlformats.org/drawingml/2006/diagram" xmlns:o="urn:schemas-microsoft-com:office:office" xmlns:v="urn:schemas-microsoft-com:vml" xmlns:pvml="urn:schemas-microsoft-com:office:powerpoint" xmlns:com="http://schemas.openxmlformats.org/drawingml/2006/compatibility" xmlns:p14="http://schemas.microsoft.com/office/powerpoint/2010/main" xmlns:p15="http://schemas.microsoft.com/office/powerpoint/2012/main" xmlns:ahyp="http://schemas.microsoft.com/office/drawing/2018/hyperlinkcolor">
+  <p:cSld>
+    <p:spTree>
+      <p:nvGrpSpPr>
+        <p:cNvPr id="207" name="Shape 207"/>
+        <p:cNvGrpSpPr/>
+        <p:nvPr/>
+      </p:nvGrpSpPr>
+      <p:grpSpPr>
+        <a:xfrm>
+          <a:off x="0" y="0"/>
+          <a:ext cx="0" cy="0"/>
+          <a:chOff x="0" y="0"/>
+          <a:chExt cx="0" cy="0"/>
+        </a:xfrm>
+      </p:grpSpPr>
+      <p:sp>
+        <p:nvSpPr>
+          <p:cNvPr id="208" name="Google Shape;208;p38"/>
+          <p:cNvSpPr txBox="1"/>
+          <p:nvPr>
+            <p:ph type="title"/>
+          </p:nvPr>
+        </p:nvSpPr>
+        <p:spPr>
+          <a:xfrm>
             <a:off x="457200" y="2171110"/>
             <a:ext cx="8229600" cy="801300"/>
           </a:xfrm>
@@ -20426,98 +20721,6 @@
           </a:p>
         </p:txBody>
       </p:sp>
-    </p:spTree>
-  </p:cSld>
-  <p:clrMapOvr>
-    <a:masterClrMapping/>
-  </p:clrMapOvr>
-</p:sld>
-</file>
-
-<file path=ppt/slides/slide14.xml><?xml version="1.0" encoding="utf-8"?>
-<p:sld xmlns:a="http://schemas.openxmlformats.org/drawingml/2006/main" xmlns:r="http://schemas.openxmlformats.org/officeDocument/2006/relationships" xmlns:mc="http://schemas.openxmlformats.org/markup-compatibility/2006" xmlns:mv="urn:schemas-microsoft-com:mac:vml" xmlns:p="http://schemas.openxmlformats.org/presentationml/2006/main" xmlns:c="http://schemas.openxmlformats.org/drawingml/2006/chart" xmlns:dgm="http://schemas.openxmlformats.org/drawingml/2006/diagram" xmlns:o="urn:schemas-microsoft-com:office:office" xmlns:v="urn:schemas-microsoft-com:vml" xmlns:pvml="urn:schemas-microsoft-com:office:powerpoint" xmlns:com="http://schemas.openxmlformats.org/drawingml/2006/compatibility" xmlns:p14="http://schemas.microsoft.com/office/powerpoint/2010/main" xmlns:p15="http://schemas.microsoft.com/office/powerpoint/2012/main" xmlns:ahyp="http://schemas.microsoft.com/office/drawing/2018/hyperlinkcolor">
-  <p:cSld>
-    <p:spTree>
-      <p:nvGrpSpPr>
-        <p:cNvPr id="206" name="Shape 206"/>
-        <p:cNvGrpSpPr/>
-        <p:nvPr/>
-      </p:nvGrpSpPr>
-      <p:grpSpPr>
-        <a:xfrm>
-          <a:off x="0" y="0"/>
-          <a:ext cx="0" cy="0"/>
-          <a:chOff x="0" y="0"/>
-          <a:chExt cx="0" cy="0"/>
-        </a:xfrm>
-      </p:grpSpPr>
-      <p:sp>
-        <p:nvSpPr>
-          <p:cNvPr id="207" name="Google Shape;207;p38"/>
-          <p:cNvSpPr txBox="1"/>
-          <p:nvPr>
-            <p:ph type="title"/>
-          </p:nvPr>
-        </p:nvSpPr>
-        <p:spPr>
-          <a:xfrm>
-            <a:off x="457200" y="675085"/>
-            <a:ext cx="8229600" cy="801300"/>
-          </a:xfrm>
-          <a:prstGeom prst="rect">
-            <a:avLst/>
-          </a:prstGeom>
-        </p:spPr>
-        <p:txBody>
-          <a:bodyPr anchorCtr="0" anchor="ctr" bIns="45700" lIns="91425" spcFirstLastPara="1" rIns="91425" wrap="square" tIns="45700">
-            <a:noAutofit/>
-          </a:bodyPr>
-          <a:lstStyle/>
-          <a:p>
-            <a:pPr indent="0" lvl="0" marL="0" rtl="0" algn="ctr">
-              <a:spcBef>
-                <a:spcPts val="0"/>
-              </a:spcBef>
-              <a:spcAft>
-                <a:spcPts val="0"/>
-              </a:spcAft>
-              <a:buNone/>
-            </a:pPr>
-            <a:r>
-              <a:rPr lang="en"/>
-              <a:t>Prediction Plot</a:t>
-            </a:r>
-            <a:endParaRPr/>
-          </a:p>
-        </p:txBody>
-      </p:sp>
-      <p:pic>
-        <p:nvPicPr>
-          <p:cNvPr id="208" name="Google Shape;208;p38"/>
-          <p:cNvPicPr preferRelativeResize="0"/>
-          <p:nvPr/>
-        </p:nvPicPr>
-        <p:blipFill rotWithShape="1">
-          <a:blip r:embed="rId3">
-            <a:alphaModFix/>
-          </a:blip>
-          <a:srcRect b="0" l="0" r="0" t="4716"/>
-          <a:stretch/>
-        </p:blipFill>
-        <p:spPr>
-          <a:xfrm>
-            <a:off x="1969975" y="1598850"/>
-            <a:ext cx="5269475" cy="3203700"/>
-          </a:xfrm>
-          <a:prstGeom prst="rect">
-            <a:avLst/>
-          </a:prstGeom>
-          <a:noFill/>
-          <a:ln>
-            <a:noFill/>
-          </a:ln>
-        </p:spPr>
-      </p:pic>
     </p:spTree>
   </p:cSld>
   <p:clrMapOvr>
@@ -20577,7 +20780,7 @@
             </a:pPr>
             <a:r>
               <a:rPr lang="en"/>
-              <a:t>Training plot</a:t>
+              <a:t>Prediction Plot</a:t>
             </a:r>
             <a:endParaRPr/>
           </a:p>
@@ -20589,18 +20792,17 @@
           <p:cNvPicPr preferRelativeResize="0"/>
           <p:nvPr/>
         </p:nvPicPr>
-        <p:blipFill>
+        <p:blipFill rotWithShape="1">
           <a:blip r:embed="rId3">
             <a:alphaModFix/>
           </a:blip>
-          <a:stretch>
-            <a:fillRect/>
-          </a:stretch>
+          <a:srcRect b="0" l="0" r="0" t="4716"/>
+          <a:stretch/>
         </p:blipFill>
         <p:spPr>
           <a:xfrm>
-            <a:off x="1974125" y="1476385"/>
-            <a:ext cx="5195740" cy="3362315"/>
+            <a:off x="1969975" y="1598850"/>
+            <a:ext cx="5269475" cy="3203700"/>
           </a:xfrm>
           <a:prstGeom prst="rect">
             <a:avLst/>
@@ -20646,6 +20848,99 @@
         </p:nvSpPr>
         <p:spPr>
           <a:xfrm>
+            <a:off x="457200" y="675085"/>
+            <a:ext cx="8229600" cy="801300"/>
+          </a:xfrm>
+          <a:prstGeom prst="rect">
+            <a:avLst/>
+          </a:prstGeom>
+        </p:spPr>
+        <p:txBody>
+          <a:bodyPr anchorCtr="0" anchor="ctr" bIns="45700" lIns="91425" spcFirstLastPara="1" rIns="91425" wrap="square" tIns="45700">
+            <a:noAutofit/>
+          </a:bodyPr>
+          <a:lstStyle/>
+          <a:p>
+            <a:pPr indent="0" lvl="0" marL="0" rtl="0" algn="ctr">
+              <a:spcBef>
+                <a:spcPts val="0"/>
+              </a:spcBef>
+              <a:spcAft>
+                <a:spcPts val="0"/>
+              </a:spcAft>
+              <a:buNone/>
+            </a:pPr>
+            <a:r>
+              <a:rPr lang="en"/>
+              <a:t>Training plot</a:t>
+            </a:r>
+            <a:endParaRPr/>
+          </a:p>
+        </p:txBody>
+      </p:sp>
+      <p:pic>
+        <p:nvPicPr>
+          <p:cNvPr id="220" name="Google Shape;220;p40"/>
+          <p:cNvPicPr preferRelativeResize="0"/>
+          <p:nvPr/>
+        </p:nvPicPr>
+        <p:blipFill>
+          <a:blip r:embed="rId3">
+            <a:alphaModFix/>
+          </a:blip>
+          <a:stretch>
+            <a:fillRect/>
+          </a:stretch>
+        </p:blipFill>
+        <p:spPr>
+          <a:xfrm>
+            <a:off x="1974125" y="1476385"/>
+            <a:ext cx="5195740" cy="3362315"/>
+          </a:xfrm>
+          <a:prstGeom prst="rect">
+            <a:avLst/>
+          </a:prstGeom>
+          <a:noFill/>
+          <a:ln>
+            <a:noFill/>
+          </a:ln>
+        </p:spPr>
+      </p:pic>
+    </p:spTree>
+  </p:cSld>
+  <p:clrMapOvr>
+    <a:masterClrMapping/>
+  </p:clrMapOvr>
+</p:sld>
+</file>
+
+<file path=ppt/slides/slide17.xml><?xml version="1.0" encoding="utf-8"?>
+<p:sld xmlns:a="http://schemas.openxmlformats.org/drawingml/2006/main" xmlns:r="http://schemas.openxmlformats.org/officeDocument/2006/relationships" xmlns:mc="http://schemas.openxmlformats.org/markup-compatibility/2006" xmlns:mv="urn:schemas-microsoft-com:mac:vml" xmlns:p="http://schemas.openxmlformats.org/presentationml/2006/main" xmlns:c="http://schemas.openxmlformats.org/drawingml/2006/chart" xmlns:dgm="http://schemas.openxmlformats.org/drawingml/2006/diagram" xmlns:o="urn:schemas-microsoft-com:office:office" xmlns:v="urn:schemas-microsoft-com:vml" xmlns:pvml="urn:schemas-microsoft-com:office:powerpoint" xmlns:com="http://schemas.openxmlformats.org/drawingml/2006/compatibility" xmlns:p14="http://schemas.microsoft.com/office/powerpoint/2010/main" xmlns:p15="http://schemas.microsoft.com/office/powerpoint/2012/main" xmlns:ahyp="http://schemas.microsoft.com/office/drawing/2018/hyperlinkcolor">
+  <p:cSld>
+    <p:spTree>
+      <p:nvGrpSpPr>
+        <p:cNvPr id="224" name="Shape 224"/>
+        <p:cNvGrpSpPr/>
+        <p:nvPr/>
+      </p:nvGrpSpPr>
+      <p:grpSpPr>
+        <a:xfrm>
+          <a:off x="0" y="0"/>
+          <a:ext cx="0" cy="0"/>
+          <a:chOff x="0" y="0"/>
+          <a:chExt cx="0" cy="0"/>
+        </a:xfrm>
+      </p:grpSpPr>
+      <p:sp>
+        <p:nvSpPr>
+          <p:cNvPr id="225" name="Google Shape;225;p41"/>
+          <p:cNvSpPr txBox="1"/>
+          <p:nvPr>
+            <p:ph type="title"/>
+          </p:nvPr>
+        </p:nvSpPr>
+        <p:spPr>
+          <a:xfrm>
             <a:off x="457200" y="2171110"/>
             <a:ext cx="8229600" cy="801300"/>
           </a:xfrm>
@@ -20676,99 +20971,6 @@
           </a:p>
         </p:txBody>
       </p:sp>
-    </p:spTree>
-  </p:cSld>
-  <p:clrMapOvr>
-    <a:masterClrMapping/>
-  </p:clrMapOvr>
-</p:sld>
-</file>
-
-<file path=ppt/slides/slide17.xml><?xml version="1.0" encoding="utf-8"?>
-<p:sld xmlns:a="http://schemas.openxmlformats.org/drawingml/2006/main" xmlns:r="http://schemas.openxmlformats.org/officeDocument/2006/relationships" xmlns:mc="http://schemas.openxmlformats.org/markup-compatibility/2006" xmlns:mv="urn:schemas-microsoft-com:mac:vml" xmlns:p="http://schemas.openxmlformats.org/presentationml/2006/main" xmlns:c="http://schemas.openxmlformats.org/drawingml/2006/chart" xmlns:dgm="http://schemas.openxmlformats.org/drawingml/2006/diagram" xmlns:o="urn:schemas-microsoft-com:office:office" xmlns:v="urn:schemas-microsoft-com:vml" xmlns:pvml="urn:schemas-microsoft-com:office:powerpoint" xmlns:com="http://schemas.openxmlformats.org/drawingml/2006/compatibility" xmlns:p14="http://schemas.microsoft.com/office/powerpoint/2010/main" xmlns:p15="http://schemas.microsoft.com/office/powerpoint/2012/main" xmlns:ahyp="http://schemas.microsoft.com/office/drawing/2018/hyperlinkcolor">
-  <p:cSld>
-    <p:spTree>
-      <p:nvGrpSpPr>
-        <p:cNvPr id="223" name="Shape 223"/>
-        <p:cNvGrpSpPr/>
-        <p:nvPr/>
-      </p:nvGrpSpPr>
-      <p:grpSpPr>
-        <a:xfrm>
-          <a:off x="0" y="0"/>
-          <a:ext cx="0" cy="0"/>
-          <a:chOff x="0" y="0"/>
-          <a:chExt cx="0" cy="0"/>
-        </a:xfrm>
-      </p:grpSpPr>
-      <p:sp>
-        <p:nvSpPr>
-          <p:cNvPr id="224" name="Google Shape;224;p41"/>
-          <p:cNvSpPr txBox="1"/>
-          <p:nvPr>
-            <p:ph type="title"/>
-          </p:nvPr>
-        </p:nvSpPr>
-        <p:spPr>
-          <a:xfrm>
-            <a:off x="457200" y="675085"/>
-            <a:ext cx="8229600" cy="801300"/>
-          </a:xfrm>
-          <a:prstGeom prst="rect">
-            <a:avLst/>
-          </a:prstGeom>
-        </p:spPr>
-        <p:txBody>
-          <a:bodyPr anchorCtr="0" anchor="ctr" bIns="45700" lIns="91425" spcFirstLastPara="1" rIns="91425" wrap="square" tIns="45700">
-            <a:noAutofit/>
-          </a:bodyPr>
-          <a:lstStyle/>
-          <a:p>
-            <a:pPr indent="0" lvl="0" marL="0" rtl="0" algn="ctr">
-              <a:spcBef>
-                <a:spcPts val="0"/>
-              </a:spcBef>
-              <a:spcAft>
-                <a:spcPts val="0"/>
-              </a:spcAft>
-              <a:buNone/>
-            </a:pPr>
-            <a:r>
-              <a:rPr lang="en"/>
-              <a:t>Prediction Plot</a:t>
-            </a:r>
-            <a:endParaRPr/>
-          </a:p>
-        </p:txBody>
-      </p:sp>
-      <p:pic>
-        <p:nvPicPr>
-          <p:cNvPr id="225" name="Google Shape;225;p41"/>
-          <p:cNvPicPr preferRelativeResize="0"/>
-          <p:nvPr/>
-        </p:nvPicPr>
-        <p:blipFill>
-          <a:blip r:embed="rId3">
-            <a:alphaModFix/>
-          </a:blip>
-          <a:stretch>
-            <a:fillRect/>
-          </a:stretch>
-        </p:blipFill>
-        <p:spPr>
-          <a:xfrm>
-            <a:off x="1861500" y="1476385"/>
-            <a:ext cx="5421007" cy="3362315"/>
-          </a:xfrm>
-          <a:prstGeom prst="rect">
-            <a:avLst/>
-          </a:prstGeom>
-          <a:noFill/>
-          <a:ln>
-            <a:noFill/>
-          </a:ln>
-        </p:spPr>
-      </p:pic>
     </p:spTree>
   </p:cSld>
   <p:clrMapOvr>
@@ -20828,7 +21030,7 @@
             </a:pPr>
             <a:r>
               <a:rPr lang="en"/>
-              <a:t>Training plot</a:t>
+              <a:t>Prediction Plot</a:t>
             </a:r>
             <a:endParaRPr/>
           </a:p>
@@ -20850,8 +21052,8 @@
         </p:blipFill>
         <p:spPr>
           <a:xfrm>
-            <a:off x="1941700" y="1440235"/>
-            <a:ext cx="5260596" cy="3362315"/>
+            <a:off x="1861500" y="1476385"/>
+            <a:ext cx="5421007" cy="3362315"/>
           </a:xfrm>
           <a:prstGeom prst="rect">
             <a:avLst/>
@@ -20897,7 +21099,7 @@
         </p:nvSpPr>
         <p:spPr>
           <a:xfrm>
-            <a:off x="457200" y="2171110"/>
+            <a:off x="457200" y="675085"/>
             <a:ext cx="8229600" cy="801300"/>
           </a:xfrm>
           <a:prstGeom prst="rect">
@@ -20921,12 +21123,40 @@
             </a:pPr>
             <a:r>
               <a:rPr lang="en"/>
-              <a:t>E=20</a:t>
+              <a:t>Training plot</a:t>
             </a:r>
             <a:endParaRPr/>
           </a:p>
         </p:txBody>
       </p:sp>
+      <p:pic>
+        <p:nvPicPr>
+          <p:cNvPr id="237" name="Google Shape;237;p43"/>
+          <p:cNvPicPr preferRelativeResize="0"/>
+          <p:nvPr/>
+        </p:nvPicPr>
+        <p:blipFill>
+          <a:blip r:embed="rId3">
+            <a:alphaModFix/>
+          </a:blip>
+          <a:stretch>
+            <a:fillRect/>
+          </a:stretch>
+        </p:blipFill>
+        <p:spPr>
+          <a:xfrm>
+            <a:off x="1941700" y="1440235"/>
+            <a:ext cx="5260596" cy="3362315"/>
+          </a:xfrm>
+          <a:prstGeom prst="rect">
+            <a:avLst/>
+          </a:prstGeom>
+          <a:noFill/>
+          <a:ln>
+            <a:noFill/>
+          </a:ln>
+        </p:spPr>
+      </p:pic>
     </p:spTree>
   </p:cSld>
   <p:clrMapOvr>
@@ -21177,7 +21407,7 @@
   <p:cSld>
     <p:spTree>
       <p:nvGrpSpPr>
-        <p:cNvPr id="240" name="Shape 240"/>
+        <p:cNvPr id="241" name="Shape 241"/>
         <p:cNvGrpSpPr/>
         <p:nvPr/>
       </p:nvGrpSpPr>
@@ -21191,7 +21421,7 @@
       </p:grpSpPr>
       <p:sp>
         <p:nvSpPr>
-          <p:cNvPr id="241" name="Google Shape;241;p44"/>
+          <p:cNvPr id="242" name="Google Shape;242;p44"/>
           <p:cNvSpPr txBox="1"/>
           <p:nvPr>
             <p:ph type="title"/>
@@ -21199,7 +21429,7 @@
         </p:nvSpPr>
         <p:spPr>
           <a:xfrm>
-            <a:off x="457200" y="675085"/>
+            <a:off x="457200" y="2171110"/>
             <a:ext cx="8229600" cy="801300"/>
           </a:xfrm>
           <a:prstGeom prst="rect">
@@ -21223,40 +21453,12 @@
             </a:pPr>
             <a:r>
               <a:rPr lang="en"/>
-              <a:t>Prediction Plot</a:t>
+              <a:t>E=20</a:t>
             </a:r>
             <a:endParaRPr/>
           </a:p>
         </p:txBody>
       </p:sp>
-      <p:pic>
-        <p:nvPicPr>
-          <p:cNvPr id="242" name="Google Shape;242;p44"/>
-          <p:cNvPicPr preferRelativeResize="0"/>
-          <p:nvPr/>
-        </p:nvPicPr>
-        <p:blipFill>
-          <a:blip r:embed="rId3">
-            <a:alphaModFix/>
-          </a:blip>
-          <a:stretch>
-            <a:fillRect/>
-          </a:stretch>
-        </p:blipFill>
-        <p:spPr>
-          <a:xfrm>
-            <a:off x="1835238" y="1476385"/>
-            <a:ext cx="5473537" cy="3362315"/>
-          </a:xfrm>
-          <a:prstGeom prst="rect">
-            <a:avLst/>
-          </a:prstGeom>
-          <a:noFill/>
-          <a:ln>
-            <a:noFill/>
-          </a:ln>
-        </p:spPr>
-      </p:pic>
     </p:spTree>
   </p:cSld>
   <p:clrMapOvr>
@@ -21316,7 +21518,7 @@
             </a:pPr>
             <a:r>
               <a:rPr lang="en"/>
-              <a:t>Training plot</a:t>
+              <a:t>Prediction Plot</a:t>
             </a:r>
             <a:endParaRPr/>
           </a:p>
@@ -21338,8 +21540,8 @@
         </p:blipFill>
         <p:spPr>
           <a:xfrm>
-            <a:off x="1967613" y="1476385"/>
-            <a:ext cx="5208780" cy="3362314"/>
+            <a:off x="1835238" y="1476385"/>
+            <a:ext cx="5473537" cy="3362315"/>
           </a:xfrm>
           <a:prstGeom prst="rect">
             <a:avLst/>
@@ -21385,6 +21587,99 @@
         </p:nvSpPr>
         <p:spPr>
           <a:xfrm>
+            <a:off x="457200" y="675085"/>
+            <a:ext cx="8229600" cy="801300"/>
+          </a:xfrm>
+          <a:prstGeom prst="rect">
+            <a:avLst/>
+          </a:prstGeom>
+        </p:spPr>
+        <p:txBody>
+          <a:bodyPr anchorCtr="0" anchor="ctr" bIns="45700" lIns="91425" spcFirstLastPara="1" rIns="91425" wrap="square" tIns="45700">
+            <a:noAutofit/>
+          </a:bodyPr>
+          <a:lstStyle/>
+          <a:p>
+            <a:pPr indent="0" lvl="0" marL="0" rtl="0" algn="ctr">
+              <a:spcBef>
+                <a:spcPts val="0"/>
+              </a:spcBef>
+              <a:spcAft>
+                <a:spcPts val="0"/>
+              </a:spcAft>
+              <a:buNone/>
+            </a:pPr>
+            <a:r>
+              <a:rPr lang="en"/>
+              <a:t>Training plot</a:t>
+            </a:r>
+            <a:endParaRPr/>
+          </a:p>
+        </p:txBody>
+      </p:sp>
+      <p:pic>
+        <p:nvPicPr>
+          <p:cNvPr id="254" name="Google Shape;254;p46"/>
+          <p:cNvPicPr preferRelativeResize="0"/>
+          <p:nvPr/>
+        </p:nvPicPr>
+        <p:blipFill>
+          <a:blip r:embed="rId3">
+            <a:alphaModFix/>
+          </a:blip>
+          <a:stretch>
+            <a:fillRect/>
+          </a:stretch>
+        </p:blipFill>
+        <p:spPr>
+          <a:xfrm>
+            <a:off x="1967613" y="1476385"/>
+            <a:ext cx="5208780" cy="3362314"/>
+          </a:xfrm>
+          <a:prstGeom prst="rect">
+            <a:avLst/>
+          </a:prstGeom>
+          <a:noFill/>
+          <a:ln>
+            <a:noFill/>
+          </a:ln>
+        </p:spPr>
+      </p:pic>
+    </p:spTree>
+  </p:cSld>
+  <p:clrMapOvr>
+    <a:masterClrMapping/>
+  </p:clrMapOvr>
+</p:sld>
+</file>
+
+<file path=ppt/slides/slide23.xml><?xml version="1.0" encoding="utf-8"?>
+<p:sld xmlns:a="http://schemas.openxmlformats.org/drawingml/2006/main" xmlns:r="http://schemas.openxmlformats.org/officeDocument/2006/relationships" xmlns:mc="http://schemas.openxmlformats.org/markup-compatibility/2006" xmlns:mv="urn:schemas-microsoft-com:mac:vml" xmlns:p="http://schemas.openxmlformats.org/presentationml/2006/main" xmlns:c="http://schemas.openxmlformats.org/drawingml/2006/chart" xmlns:dgm="http://schemas.openxmlformats.org/drawingml/2006/diagram" xmlns:o="urn:schemas-microsoft-com:office:office" xmlns:v="urn:schemas-microsoft-com:vml" xmlns:pvml="urn:schemas-microsoft-com:office:powerpoint" xmlns:com="http://schemas.openxmlformats.org/drawingml/2006/compatibility" xmlns:p14="http://schemas.microsoft.com/office/powerpoint/2010/main" xmlns:p15="http://schemas.microsoft.com/office/powerpoint/2012/main" xmlns:ahyp="http://schemas.microsoft.com/office/drawing/2018/hyperlinkcolor">
+  <p:cSld>
+    <p:spTree>
+      <p:nvGrpSpPr>
+        <p:cNvPr id="258" name="Shape 258"/>
+        <p:cNvGrpSpPr/>
+        <p:nvPr/>
+      </p:nvGrpSpPr>
+      <p:grpSpPr>
+        <a:xfrm>
+          <a:off x="0" y="0"/>
+          <a:ext cx="0" cy="0"/>
+          <a:chOff x="0" y="0"/>
+          <a:chExt cx="0" cy="0"/>
+        </a:xfrm>
+      </p:grpSpPr>
+      <p:sp>
+        <p:nvSpPr>
+          <p:cNvPr id="259" name="Google Shape;259;p47"/>
+          <p:cNvSpPr txBox="1"/>
+          <p:nvPr>
+            <p:ph type="title"/>
+          </p:nvPr>
+        </p:nvSpPr>
+        <p:spPr>
+          <a:xfrm>
             <a:off x="457200" y="2171110"/>
             <a:ext cx="8229600" cy="801300"/>
           </a:xfrm>
@@ -21415,99 +21710,6 @@
           </a:p>
         </p:txBody>
       </p:sp>
-    </p:spTree>
-  </p:cSld>
-  <p:clrMapOvr>
-    <a:masterClrMapping/>
-  </p:clrMapOvr>
-</p:sld>
-</file>
-
-<file path=ppt/slides/slide23.xml><?xml version="1.0" encoding="utf-8"?>
-<p:sld xmlns:a="http://schemas.openxmlformats.org/drawingml/2006/main" xmlns:r="http://schemas.openxmlformats.org/officeDocument/2006/relationships" xmlns:mc="http://schemas.openxmlformats.org/markup-compatibility/2006" xmlns:mv="urn:schemas-microsoft-com:mac:vml" xmlns:p="http://schemas.openxmlformats.org/presentationml/2006/main" xmlns:c="http://schemas.openxmlformats.org/drawingml/2006/chart" xmlns:dgm="http://schemas.openxmlformats.org/drawingml/2006/diagram" xmlns:o="urn:schemas-microsoft-com:office:office" xmlns:v="urn:schemas-microsoft-com:vml" xmlns:pvml="urn:schemas-microsoft-com:office:powerpoint" xmlns:com="http://schemas.openxmlformats.org/drawingml/2006/compatibility" xmlns:p14="http://schemas.microsoft.com/office/powerpoint/2010/main" xmlns:p15="http://schemas.microsoft.com/office/powerpoint/2012/main" xmlns:ahyp="http://schemas.microsoft.com/office/drawing/2018/hyperlinkcolor">
-  <p:cSld>
-    <p:spTree>
-      <p:nvGrpSpPr>
-        <p:cNvPr id="257" name="Shape 257"/>
-        <p:cNvGrpSpPr/>
-        <p:nvPr/>
-      </p:nvGrpSpPr>
-      <p:grpSpPr>
-        <a:xfrm>
-          <a:off x="0" y="0"/>
-          <a:ext cx="0" cy="0"/>
-          <a:chOff x="0" y="0"/>
-          <a:chExt cx="0" cy="0"/>
-        </a:xfrm>
-      </p:grpSpPr>
-      <p:sp>
-        <p:nvSpPr>
-          <p:cNvPr id="258" name="Google Shape;258;p47"/>
-          <p:cNvSpPr txBox="1"/>
-          <p:nvPr>
-            <p:ph type="title"/>
-          </p:nvPr>
-        </p:nvSpPr>
-        <p:spPr>
-          <a:xfrm>
-            <a:off x="457200" y="675085"/>
-            <a:ext cx="8229600" cy="801300"/>
-          </a:xfrm>
-          <a:prstGeom prst="rect">
-            <a:avLst/>
-          </a:prstGeom>
-        </p:spPr>
-        <p:txBody>
-          <a:bodyPr anchorCtr="0" anchor="ctr" bIns="45700" lIns="91425" spcFirstLastPara="1" rIns="91425" wrap="square" tIns="45700">
-            <a:noAutofit/>
-          </a:bodyPr>
-          <a:lstStyle/>
-          <a:p>
-            <a:pPr indent="0" lvl="0" marL="0" rtl="0" algn="ctr">
-              <a:spcBef>
-                <a:spcPts val="0"/>
-              </a:spcBef>
-              <a:spcAft>
-                <a:spcPts val="0"/>
-              </a:spcAft>
-              <a:buNone/>
-            </a:pPr>
-            <a:r>
-              <a:rPr lang="en"/>
-              <a:t>Prediction Plot</a:t>
-            </a:r>
-            <a:endParaRPr/>
-          </a:p>
-        </p:txBody>
-      </p:sp>
-      <p:pic>
-        <p:nvPicPr>
-          <p:cNvPr id="259" name="Google Shape;259;p47"/>
-          <p:cNvPicPr preferRelativeResize="0"/>
-          <p:nvPr/>
-        </p:nvPicPr>
-        <p:blipFill>
-          <a:blip r:embed="rId3">
-            <a:alphaModFix/>
-          </a:blip>
-          <a:stretch>
-            <a:fillRect/>
-          </a:stretch>
-        </p:blipFill>
-        <p:spPr>
-          <a:xfrm>
-            <a:off x="1939125" y="1476385"/>
-            <a:ext cx="5265749" cy="3362315"/>
-          </a:xfrm>
-          <a:prstGeom prst="rect">
-            <a:avLst/>
-          </a:prstGeom>
-          <a:noFill/>
-          <a:ln>
-            <a:noFill/>
-          </a:ln>
-        </p:spPr>
-      </p:pic>
     </p:spTree>
   </p:cSld>
   <p:clrMapOvr>
@@ -21567,7 +21769,7 @@
             </a:pPr>
             <a:r>
               <a:rPr lang="en"/>
-              <a:t>Training plot</a:t>
+              <a:t>Prediction Plot</a:t>
             </a:r>
             <a:endParaRPr/>
           </a:p>
@@ -21589,8 +21791,8 @@
         </p:blipFill>
         <p:spPr>
           <a:xfrm>
-            <a:off x="1925738" y="1476385"/>
-            <a:ext cx="5292533" cy="3362315"/>
+            <a:off x="1939125" y="1476385"/>
+            <a:ext cx="5265749" cy="3362315"/>
           </a:xfrm>
           <a:prstGeom prst="rect">
             <a:avLst/>
@@ -21636,6 +21838,99 @@
         </p:nvSpPr>
         <p:spPr>
           <a:xfrm>
+            <a:off x="457200" y="675085"/>
+            <a:ext cx="8229600" cy="801300"/>
+          </a:xfrm>
+          <a:prstGeom prst="rect">
+            <a:avLst/>
+          </a:prstGeom>
+        </p:spPr>
+        <p:txBody>
+          <a:bodyPr anchorCtr="0" anchor="ctr" bIns="45700" lIns="91425" spcFirstLastPara="1" rIns="91425" wrap="square" tIns="45700">
+            <a:noAutofit/>
+          </a:bodyPr>
+          <a:lstStyle/>
+          <a:p>
+            <a:pPr indent="0" lvl="0" marL="0" rtl="0" algn="ctr">
+              <a:spcBef>
+                <a:spcPts val="0"/>
+              </a:spcBef>
+              <a:spcAft>
+                <a:spcPts val="0"/>
+              </a:spcAft>
+              <a:buNone/>
+            </a:pPr>
+            <a:r>
+              <a:rPr lang="en"/>
+              <a:t>Training plot</a:t>
+            </a:r>
+            <a:endParaRPr/>
+          </a:p>
+        </p:txBody>
+      </p:sp>
+      <p:pic>
+        <p:nvPicPr>
+          <p:cNvPr id="271" name="Google Shape;271;p49"/>
+          <p:cNvPicPr preferRelativeResize="0"/>
+          <p:nvPr/>
+        </p:nvPicPr>
+        <p:blipFill>
+          <a:blip r:embed="rId3">
+            <a:alphaModFix/>
+          </a:blip>
+          <a:stretch>
+            <a:fillRect/>
+          </a:stretch>
+        </p:blipFill>
+        <p:spPr>
+          <a:xfrm>
+            <a:off x="1925738" y="1476385"/>
+            <a:ext cx="5292533" cy="3362315"/>
+          </a:xfrm>
+          <a:prstGeom prst="rect">
+            <a:avLst/>
+          </a:prstGeom>
+          <a:noFill/>
+          <a:ln>
+            <a:noFill/>
+          </a:ln>
+        </p:spPr>
+      </p:pic>
+    </p:spTree>
+  </p:cSld>
+  <p:clrMapOvr>
+    <a:masterClrMapping/>
+  </p:clrMapOvr>
+</p:sld>
+</file>
+
+<file path=ppt/slides/slide26.xml><?xml version="1.0" encoding="utf-8"?>
+<p:sld xmlns:a="http://schemas.openxmlformats.org/drawingml/2006/main" xmlns:r="http://schemas.openxmlformats.org/officeDocument/2006/relationships" xmlns:mc="http://schemas.openxmlformats.org/markup-compatibility/2006" xmlns:mv="urn:schemas-microsoft-com:mac:vml" xmlns:p="http://schemas.openxmlformats.org/presentationml/2006/main" xmlns:c="http://schemas.openxmlformats.org/drawingml/2006/chart" xmlns:dgm="http://schemas.openxmlformats.org/drawingml/2006/diagram" xmlns:o="urn:schemas-microsoft-com:office:office" xmlns:v="urn:schemas-microsoft-com:vml" xmlns:pvml="urn:schemas-microsoft-com:office:powerpoint" xmlns:com="http://schemas.openxmlformats.org/drawingml/2006/compatibility" xmlns:p14="http://schemas.microsoft.com/office/powerpoint/2010/main" xmlns:p15="http://schemas.microsoft.com/office/powerpoint/2012/main" xmlns:ahyp="http://schemas.microsoft.com/office/drawing/2018/hyperlinkcolor">
+  <p:cSld>
+    <p:spTree>
+      <p:nvGrpSpPr>
+        <p:cNvPr id="275" name="Shape 275"/>
+        <p:cNvGrpSpPr/>
+        <p:nvPr/>
+      </p:nvGrpSpPr>
+      <p:grpSpPr>
+        <a:xfrm>
+          <a:off x="0" y="0"/>
+          <a:ext cx="0" cy="0"/>
+          <a:chOff x="0" y="0"/>
+          <a:chExt cx="0" cy="0"/>
+        </a:xfrm>
+      </p:grpSpPr>
+      <p:sp>
+        <p:nvSpPr>
+          <p:cNvPr id="276" name="Google Shape;276;p50"/>
+          <p:cNvSpPr txBox="1"/>
+          <p:nvPr>
+            <p:ph type="title"/>
+          </p:nvPr>
+        </p:nvSpPr>
+        <p:spPr>
+          <a:xfrm>
             <a:off x="457200" y="2171110"/>
             <a:ext cx="8229600" cy="801300"/>
           </a:xfrm>
@@ -21666,99 +21961,6 @@
           </a:p>
         </p:txBody>
       </p:sp>
-    </p:spTree>
-  </p:cSld>
-  <p:clrMapOvr>
-    <a:masterClrMapping/>
-  </p:clrMapOvr>
-</p:sld>
-</file>
-
-<file path=ppt/slides/slide26.xml><?xml version="1.0" encoding="utf-8"?>
-<p:sld xmlns:a="http://schemas.openxmlformats.org/drawingml/2006/main" xmlns:r="http://schemas.openxmlformats.org/officeDocument/2006/relationships" xmlns:mc="http://schemas.openxmlformats.org/markup-compatibility/2006" xmlns:mv="urn:schemas-microsoft-com:mac:vml" xmlns:p="http://schemas.openxmlformats.org/presentationml/2006/main" xmlns:c="http://schemas.openxmlformats.org/drawingml/2006/chart" xmlns:dgm="http://schemas.openxmlformats.org/drawingml/2006/diagram" xmlns:o="urn:schemas-microsoft-com:office:office" xmlns:v="urn:schemas-microsoft-com:vml" xmlns:pvml="urn:schemas-microsoft-com:office:powerpoint" xmlns:com="http://schemas.openxmlformats.org/drawingml/2006/compatibility" xmlns:p14="http://schemas.microsoft.com/office/powerpoint/2010/main" xmlns:p15="http://schemas.microsoft.com/office/powerpoint/2012/main" xmlns:ahyp="http://schemas.microsoft.com/office/drawing/2018/hyperlinkcolor">
-  <p:cSld>
-    <p:spTree>
-      <p:nvGrpSpPr>
-        <p:cNvPr id="274" name="Shape 274"/>
-        <p:cNvGrpSpPr/>
-        <p:nvPr/>
-      </p:nvGrpSpPr>
-      <p:grpSpPr>
-        <a:xfrm>
-          <a:off x="0" y="0"/>
-          <a:ext cx="0" cy="0"/>
-          <a:chOff x="0" y="0"/>
-          <a:chExt cx="0" cy="0"/>
-        </a:xfrm>
-      </p:grpSpPr>
-      <p:sp>
-        <p:nvSpPr>
-          <p:cNvPr id="275" name="Google Shape;275;p50"/>
-          <p:cNvSpPr txBox="1"/>
-          <p:nvPr>
-            <p:ph type="title"/>
-          </p:nvPr>
-        </p:nvSpPr>
-        <p:spPr>
-          <a:xfrm>
-            <a:off x="457200" y="675085"/>
-            <a:ext cx="8229600" cy="801300"/>
-          </a:xfrm>
-          <a:prstGeom prst="rect">
-            <a:avLst/>
-          </a:prstGeom>
-        </p:spPr>
-        <p:txBody>
-          <a:bodyPr anchorCtr="0" anchor="ctr" bIns="45700" lIns="91425" spcFirstLastPara="1" rIns="91425" wrap="square" tIns="45700">
-            <a:noAutofit/>
-          </a:bodyPr>
-          <a:lstStyle/>
-          <a:p>
-            <a:pPr indent="0" lvl="0" marL="0" rtl="0" algn="ctr">
-              <a:spcBef>
-                <a:spcPts val="0"/>
-              </a:spcBef>
-              <a:spcAft>
-                <a:spcPts val="0"/>
-              </a:spcAft>
-              <a:buNone/>
-            </a:pPr>
-            <a:r>
-              <a:rPr lang="en"/>
-              <a:t>Prediction Plot</a:t>
-            </a:r>
-            <a:endParaRPr/>
-          </a:p>
-        </p:txBody>
-      </p:sp>
-      <p:pic>
-        <p:nvPicPr>
-          <p:cNvPr id="276" name="Google Shape;276;p50"/>
-          <p:cNvPicPr preferRelativeResize="0"/>
-          <p:nvPr/>
-        </p:nvPicPr>
-        <p:blipFill>
-          <a:blip r:embed="rId3">
-            <a:alphaModFix/>
-          </a:blip>
-          <a:stretch>
-            <a:fillRect/>
-          </a:stretch>
-        </p:blipFill>
-        <p:spPr>
-          <a:xfrm>
-            <a:off x="1824263" y="1476385"/>
-            <a:ext cx="5495466" cy="3362315"/>
-          </a:xfrm>
-          <a:prstGeom prst="rect">
-            <a:avLst/>
-          </a:prstGeom>
-          <a:noFill/>
-          <a:ln>
-            <a:noFill/>
-          </a:ln>
-        </p:spPr>
-      </p:pic>
     </p:spTree>
   </p:cSld>
   <p:clrMapOvr>
@@ -21818,7 +22020,7 @@
             </a:pPr>
             <a:r>
               <a:rPr lang="en"/>
-              <a:t>Training plot</a:t>
+              <a:t>Prediction Plot</a:t>
             </a:r>
             <a:endParaRPr/>
           </a:p>
@@ -21840,8 +22042,8 @@
         </p:blipFill>
         <p:spPr>
           <a:xfrm>
-            <a:off x="1967913" y="1598610"/>
-            <a:ext cx="5208170" cy="3362315"/>
+            <a:off x="1824263" y="1476385"/>
+            <a:ext cx="5495466" cy="3362315"/>
           </a:xfrm>
           <a:prstGeom prst="rect">
             <a:avLst/>
@@ -21911,183 +22113,40 @@
             </a:pPr>
             <a:r>
               <a:rPr lang="en"/>
-              <a:t>Discussion on Tuning</a:t>
+              <a:t>Training plot</a:t>
             </a:r>
             <a:endParaRPr/>
           </a:p>
         </p:txBody>
       </p:sp>
-      <p:sp>
-        <p:nvSpPr>
+      <p:pic>
+        <p:nvPicPr>
           <p:cNvPr id="288" name="Google Shape;288;p52"/>
-          <p:cNvSpPr txBox="1"/>
-          <p:nvPr>
-            <p:ph idx="1" type="body"/>
-          </p:nvPr>
-        </p:nvSpPr>
+          <p:cNvPicPr preferRelativeResize="0"/>
+          <p:nvPr/>
+        </p:nvPicPr>
+        <p:blipFill>
+          <a:blip r:embed="rId3">
+            <a:alphaModFix/>
+          </a:blip>
+          <a:stretch>
+            <a:fillRect/>
+          </a:stretch>
+        </p:blipFill>
         <p:spPr>
           <a:xfrm>
-            <a:off x="487375" y="1562975"/>
-            <a:ext cx="8229600" cy="2843100"/>
+            <a:off x="1967913" y="1598610"/>
+            <a:ext cx="5208170" cy="3362315"/>
           </a:xfrm>
           <a:prstGeom prst="rect">
             <a:avLst/>
           </a:prstGeom>
+          <a:noFill/>
+          <a:ln>
+            <a:noFill/>
+          </a:ln>
         </p:spPr>
-        <p:txBody>
-          <a:bodyPr anchorCtr="0" anchor="t" bIns="45700" lIns="91425" spcFirstLastPara="1" rIns="91425" wrap="square" tIns="45700">
-            <a:noAutofit/>
-          </a:bodyPr>
-          <a:lstStyle/>
-          <a:p>
-            <a:pPr indent="-342900" lvl="0" marL="457200" rtl="0" algn="l">
-              <a:spcBef>
-                <a:spcPts val="360"/>
-              </a:spcBef>
-              <a:spcAft>
-                <a:spcPts val="0"/>
-              </a:spcAft>
-              <a:buSzPts val="1800"/>
-              <a:buChar char="-"/>
-            </a:pPr>
-            <a:r>
-              <a:rPr lang="en" sz="1800"/>
-              <a:t>Learning rate</a:t>
-            </a:r>
-            <a:endParaRPr sz="1800"/>
-          </a:p>
-          <a:p>
-            <a:pPr indent="-342900" lvl="1" marL="914400" rtl="0" algn="l">
-              <a:spcBef>
-                <a:spcPts val="0"/>
-              </a:spcBef>
-              <a:spcAft>
-                <a:spcPts val="0"/>
-              </a:spcAft>
-              <a:buSzPts val="1800"/>
-              <a:buChar char="-"/>
-            </a:pPr>
-            <a:r>
-              <a:rPr lang="en" sz="1800"/>
-              <a:t>As the history increases from E=5 to E=60, the training time and convergence time varies. The learning rate is tweaked in model.ipynb for each model so that convergence is smooth and fast.</a:t>
-            </a:r>
-            <a:endParaRPr sz="1800"/>
-          </a:p>
-          <a:p>
-            <a:pPr indent="0" lvl="0" marL="0" rtl="0" algn="l">
-              <a:spcBef>
-                <a:spcPts val="360"/>
-              </a:spcBef>
-              <a:spcAft>
-                <a:spcPts val="0"/>
-              </a:spcAft>
-              <a:buNone/>
-            </a:pPr>
-            <a:r>
-              <a:t/>
-            </a:r>
-            <a:endParaRPr sz="1800"/>
-          </a:p>
-          <a:p>
-            <a:pPr indent="-342900" lvl="0" marL="457200" rtl="0" algn="l">
-              <a:spcBef>
-                <a:spcPts val="360"/>
-              </a:spcBef>
-              <a:spcAft>
-                <a:spcPts val="0"/>
-              </a:spcAft>
-              <a:buSzPts val="1800"/>
-              <a:buChar char="-"/>
-            </a:pPr>
-            <a:r>
-              <a:rPr lang="en" sz="1800"/>
-              <a:t>Batch size</a:t>
-            </a:r>
-            <a:endParaRPr sz="1800"/>
-          </a:p>
-          <a:p>
-            <a:pPr indent="-342900" lvl="1" marL="914400" rtl="0" algn="l">
-              <a:spcBef>
-                <a:spcPts val="0"/>
-              </a:spcBef>
-              <a:spcAft>
-                <a:spcPts val="0"/>
-              </a:spcAft>
-              <a:buSzPts val="1800"/>
-              <a:buChar char="-"/>
-            </a:pPr>
-            <a:r>
-              <a:rPr lang="en" sz="1800"/>
-              <a:t>8 (it is small because the data is small as well)</a:t>
-            </a:r>
-            <a:endParaRPr sz="1800"/>
-          </a:p>
-          <a:p>
-            <a:pPr indent="0" lvl="0" marL="0" rtl="0" algn="l">
-              <a:spcBef>
-                <a:spcPts val="360"/>
-              </a:spcBef>
-              <a:spcAft>
-                <a:spcPts val="0"/>
-              </a:spcAft>
-              <a:buNone/>
-            </a:pPr>
-            <a:r>
-              <a:t/>
-            </a:r>
-            <a:endParaRPr sz="1800"/>
-          </a:p>
-          <a:p>
-            <a:pPr indent="-342900" lvl="0" marL="457200" rtl="0" algn="l">
-              <a:spcBef>
-                <a:spcPts val="360"/>
-              </a:spcBef>
-              <a:spcAft>
-                <a:spcPts val="0"/>
-              </a:spcAft>
-              <a:buSzPts val="1800"/>
-              <a:buChar char="-"/>
-            </a:pPr>
-            <a:r>
-              <a:rPr lang="en" sz="1800"/>
-              <a:t>Num epochs</a:t>
-            </a:r>
-            <a:endParaRPr sz="1800"/>
-          </a:p>
-          <a:p>
-            <a:pPr indent="0" lvl="0" marL="0" rtl="0" algn="l">
-              <a:spcBef>
-                <a:spcPts val="360"/>
-              </a:spcBef>
-              <a:spcAft>
-                <a:spcPts val="0"/>
-              </a:spcAft>
-              <a:buNone/>
-            </a:pPr>
-            <a:r>
-              <a:t/>
-            </a:r>
-            <a:endParaRPr sz="1800"/>
-          </a:p>
-          <a:p>
-            <a:pPr indent="-342900" lvl="0" marL="457200" rtl="0" algn="l">
-              <a:spcBef>
-                <a:spcPts val="360"/>
-              </a:spcBef>
-              <a:spcAft>
-                <a:spcPts val="0"/>
-              </a:spcAft>
-              <a:buSzPts val="1800"/>
-              <a:buChar char="-"/>
-            </a:pPr>
-            <a:r>
-              <a:rPr lang="en" sz="1800"/>
-              <a:t>Num units in LSTM</a:t>
-            </a:r>
-            <a:endParaRPr sz="1800"/>
-          </a:p>
-        </p:txBody>
-      </p:sp>
+      </p:pic>
     </p:spTree>
   </p:cSld>
   <p:clrMapOvr>
@@ -22147,7 +22206,7 @@
             </a:pPr>
             <a:r>
               <a:rPr lang="en"/>
-              <a:t>Observations on results</a:t>
+              <a:t>Discussion on Tuning</a:t>
             </a:r>
             <a:endParaRPr/>
           </a:p>
@@ -22163,7 +22222,7 @@
         </p:nvSpPr>
         <p:spPr>
           <a:xfrm>
-            <a:off x="457200" y="1751525"/>
+            <a:off x="487375" y="1562975"/>
             <a:ext cx="8229600" cy="2843100"/>
           </a:xfrm>
           <a:prstGeom prst="rect">
@@ -22188,7 +22247,7 @@
             </a:pPr>
             <a:r>
               <a:rPr lang="en" sz="1800"/>
-              <a:t>Training curve</a:t>
+              <a:t>Learning rate</a:t>
             </a:r>
             <a:endParaRPr sz="1800"/>
           </a:p>
@@ -22205,11 +22264,39 @@
             </a:pPr>
             <a:r>
               <a:rPr lang="en" sz="1800"/>
-              <a:t>The training curve </a:t>
+              <a:t>As the history increases from E=5 to E=60, the training time and convergence time varies. The learning rate is tweaked in model.ipynb for each model so that convergence is smooth and fast.</a:t>
             </a:r>
+            <a:endParaRPr sz="1800"/>
+          </a:p>
+          <a:p>
+            <a:pPr indent="0" lvl="0" marL="0" rtl="0" algn="l">
+              <a:spcBef>
+                <a:spcPts val="360"/>
+              </a:spcBef>
+              <a:spcAft>
+                <a:spcPts val="0"/>
+              </a:spcAft>
+              <a:buNone/>
+            </a:pPr>
+            <a:r>
+              <a:t/>
+            </a:r>
+            <a:endParaRPr sz="1800"/>
+          </a:p>
+          <a:p>
+            <a:pPr indent="-342900" lvl="0" marL="457200" rtl="0" algn="l">
+              <a:spcBef>
+                <a:spcPts val="360"/>
+              </a:spcBef>
+              <a:spcAft>
+                <a:spcPts val="0"/>
+              </a:spcAft>
+              <a:buSzPts val="1800"/>
+              <a:buChar char="-"/>
+            </a:pPr>
             <a:r>
               <a:rPr lang="en" sz="1800"/>
-              <a:t>smoothens to a smaller value till it converges along the progressing epochs. </a:t>
+              <a:t>Batch size</a:t>
             </a:r>
             <a:endParaRPr sz="1800"/>
           </a:p>
@@ -22226,14 +22313,29 @@
             </a:pPr>
             <a:r>
               <a:rPr lang="en" sz="1800"/>
-              <a:t>This is expected as we are optimizing on the MSE using an adaptive, momentum based gradient descent algorithm.</a:t>
+              <a:t>8 (it is small because the data is small as well)</a:t>
             </a:r>
             <a:endParaRPr sz="1800"/>
           </a:p>
           <a:p>
-            <a:pPr indent="-342900" lvl="1" marL="914400" rtl="0" algn="l">
-              <a:spcBef>
-                <a:spcPts val="0"/>
+            <a:pPr indent="0" lvl="0" marL="0" rtl="0" algn="l">
+              <a:spcBef>
+                <a:spcPts val="360"/>
+              </a:spcBef>
+              <a:spcAft>
+                <a:spcPts val="0"/>
+              </a:spcAft>
+              <a:buNone/>
+            </a:pPr>
+            <a:r>
+              <a:t/>
+            </a:r>
+            <a:endParaRPr sz="1800"/>
+          </a:p>
+          <a:p>
+            <a:pPr indent="-342900" lvl="0" marL="457200" rtl="0" algn="l">
+              <a:spcBef>
+                <a:spcPts val="360"/>
               </a:spcBef>
               <a:spcAft>
                 <a:spcPts val="0"/>
@@ -22243,14 +22345,29 @@
             </a:pPr>
             <a:r>
               <a:rPr lang="en" sz="1800"/>
-              <a:t>The smooth reduction implies successful training</a:t>
+              <a:t>Num epochs</a:t>
             </a:r>
             <a:endParaRPr sz="1800"/>
           </a:p>
           <a:p>
-            <a:pPr indent="-342900" lvl="1" marL="914400" rtl="0" algn="l">
-              <a:spcBef>
-                <a:spcPts val="0"/>
+            <a:pPr indent="0" lvl="0" marL="0" rtl="0" algn="l">
+              <a:spcBef>
+                <a:spcPts val="360"/>
+              </a:spcBef>
+              <a:spcAft>
+                <a:spcPts val="0"/>
+              </a:spcAft>
+              <a:buNone/>
+            </a:pPr>
+            <a:r>
+              <a:t/>
+            </a:r>
+            <a:endParaRPr sz="1800"/>
+          </a:p>
+          <a:p>
+            <a:pPr indent="-342900" lvl="0" marL="457200" rtl="0" algn="l">
+              <a:spcBef>
+                <a:spcPts val="360"/>
               </a:spcBef>
               <a:spcAft>
                 <a:spcPts val="0"/>
@@ -22260,7 +22377,7 @@
             </a:pPr>
             <a:r>
               <a:rPr lang="en" sz="1800"/>
-              <a:t>As E increases, the learning rate has to be modified for similar smoother training.</a:t>
+              <a:t>Num units in LSTM</a:t>
             </a:r>
             <a:endParaRPr sz="1800"/>
           </a:p>
@@ -22558,11 +22675,7 @@
             </a:pPr>
             <a:r>
               <a:rPr lang="en" sz="1800"/>
-              <a:t>Prediction</a:t>
-            </a:r>
-            <a:r>
-              <a:rPr lang="en" sz="1800"/>
-              <a:t> plot</a:t>
+              <a:t>Training curve</a:t>
             </a:r>
             <a:endParaRPr sz="1800"/>
           </a:p>
@@ -22579,7 +22692,11 @@
             </a:pPr>
             <a:r>
               <a:rPr lang="en" sz="1800"/>
-              <a:t>As E increases, the predicted values get closer to the actual values</a:t>
+              <a:t>The training curve </a:t>
+            </a:r>
+            <a:r>
+              <a:rPr lang="en" sz="1800"/>
+              <a:t>smoothens to a smaller value till it converges along the progressing epochs. </a:t>
             </a:r>
             <a:endParaRPr sz="1800"/>
           </a:p>
@@ -22596,11 +22713,7 @@
             </a:pPr>
             <a:r>
               <a:rPr lang="en" sz="1800"/>
-              <a:t>This is expected because the </a:t>
-            </a:r>
-            <a:r>
-              <a:rPr lang="en" sz="1800"/>
-              <a:t>model has more history to train over.</a:t>
+              <a:t>This is expected as we are optimizing on the MSE using an adaptive, momentum based gradient descent algorithm.</a:t>
             </a:r>
             <a:endParaRPr sz="1800"/>
           </a:p>
@@ -22617,46 +22730,14 @@
             </a:pPr>
             <a:r>
               <a:rPr lang="en" sz="1800"/>
-              <a:t>There are some discrepancies at E=10</a:t>
+              <a:t>The smooth reduction implies successful training</a:t>
             </a:r>
             <a:endParaRPr sz="1800"/>
           </a:p>
           <a:p>
-            <a:pPr indent="-342900" lvl="2" marL="1371600" rtl="0" algn="l">
-              <a:spcBef>
-                <a:spcPts val="0"/>
-              </a:spcBef>
-              <a:spcAft>
-                <a:spcPts val="0"/>
-              </a:spcAft>
-              <a:buSzPts val="1800"/>
-              <a:buChar char="-"/>
-            </a:pPr>
-            <a:r>
-              <a:rPr lang="en"/>
-              <a:t>I believe this is because of small data size and undiscernible patterns</a:t>
-            </a:r>
-            <a:endParaRPr sz="1800"/>
-          </a:p>
-          <a:p>
-            <a:pPr indent="0" lvl="0" marL="0" rtl="0" algn="l">
-              <a:spcBef>
-                <a:spcPts val="360"/>
-              </a:spcBef>
-              <a:spcAft>
-                <a:spcPts val="0"/>
-              </a:spcAft>
-              <a:buNone/>
-            </a:pPr>
-            <a:r>
-              <a:t/>
-            </a:r>
-            <a:endParaRPr sz="1800"/>
-          </a:p>
-          <a:p>
-            <a:pPr indent="-342900" lvl="0" marL="457200" rtl="0" algn="l">
-              <a:spcBef>
-                <a:spcPts val="360"/>
+            <a:pPr indent="-342900" lvl="1" marL="914400" rtl="0" algn="l">
+              <a:spcBef>
+                <a:spcPts val="0"/>
               </a:spcBef>
               <a:spcAft>
                 <a:spcPts val="0"/>
@@ -22666,41 +22747,7 @@
             </a:pPr>
             <a:r>
               <a:rPr lang="en" sz="1800"/>
-              <a:t>Training time</a:t>
-            </a:r>
-            <a:endParaRPr sz="1800"/>
-          </a:p>
-          <a:p>
-            <a:pPr indent="-342900" lvl="1" marL="914400" rtl="0" algn="l">
-              <a:spcBef>
-                <a:spcPts val="0"/>
-              </a:spcBef>
-              <a:spcAft>
-                <a:spcPts val="0"/>
-              </a:spcAft>
-              <a:buSzPts val="1800"/>
-              <a:buChar char="-"/>
-            </a:pPr>
-            <a:r>
-              <a:rPr lang="en" sz="1800"/>
-              <a:t>As E increases, the training time increases as expected</a:t>
-            </a:r>
-            <a:endParaRPr sz="1800"/>
-          </a:p>
-          <a:p>
-            <a:pPr indent="-342900" lvl="1" marL="914400" rtl="0" algn="l">
-              <a:spcBef>
-                <a:spcPts val="0"/>
-              </a:spcBef>
-              <a:spcAft>
-                <a:spcPts val="0"/>
-              </a:spcAft>
-              <a:buSzPts val="1800"/>
-              <a:buChar char="-"/>
-            </a:pPr>
-            <a:r>
-              <a:rPr lang="en" sz="1800"/>
-              <a:t>This is because of rise in data size</a:t>
+              <a:t>As E increases, the learning rate has to be modified for similar smoother training.</a:t>
             </a:r>
             <a:endParaRPr sz="1800"/>
           </a:p>
@@ -22765,7 +22812,7 @@
             </a:pPr>
             <a:r>
               <a:rPr lang="en"/>
-              <a:t>A better approach?</a:t>
+              <a:t>Observations on results</a:t>
             </a:r>
             <a:endParaRPr/>
           </a:p>
@@ -22806,6 +22853,254 @@
             </a:pPr>
             <a:r>
               <a:rPr lang="en" sz="1800"/>
+              <a:t>Prediction</a:t>
+            </a:r>
+            <a:r>
+              <a:rPr lang="en" sz="1800"/>
+              <a:t> plot</a:t>
+            </a:r>
+            <a:endParaRPr sz="1800"/>
+          </a:p>
+          <a:p>
+            <a:pPr indent="-342900" lvl="1" marL="914400" rtl="0" algn="l">
+              <a:spcBef>
+                <a:spcPts val="0"/>
+              </a:spcBef>
+              <a:spcAft>
+                <a:spcPts val="0"/>
+              </a:spcAft>
+              <a:buSzPts val="1800"/>
+              <a:buChar char="-"/>
+            </a:pPr>
+            <a:r>
+              <a:rPr lang="en" sz="1800"/>
+              <a:t>As E increases, the predicted values get closer to the actual values</a:t>
+            </a:r>
+            <a:endParaRPr sz="1800"/>
+          </a:p>
+          <a:p>
+            <a:pPr indent="-342900" lvl="1" marL="914400" rtl="0" algn="l">
+              <a:spcBef>
+                <a:spcPts val="0"/>
+              </a:spcBef>
+              <a:spcAft>
+                <a:spcPts val="0"/>
+              </a:spcAft>
+              <a:buSzPts val="1800"/>
+              <a:buChar char="-"/>
+            </a:pPr>
+            <a:r>
+              <a:rPr lang="en" sz="1800"/>
+              <a:t>This is expected because the </a:t>
+            </a:r>
+            <a:r>
+              <a:rPr lang="en" sz="1800"/>
+              <a:t>model has more history to train over.</a:t>
+            </a:r>
+            <a:endParaRPr sz="1800"/>
+          </a:p>
+          <a:p>
+            <a:pPr indent="-342900" lvl="1" marL="914400" rtl="0" algn="l">
+              <a:spcBef>
+                <a:spcPts val="0"/>
+              </a:spcBef>
+              <a:spcAft>
+                <a:spcPts val="0"/>
+              </a:spcAft>
+              <a:buSzPts val="1800"/>
+              <a:buChar char="-"/>
+            </a:pPr>
+            <a:r>
+              <a:rPr lang="en" sz="1800"/>
+              <a:t>There are some discrepancies at E=10</a:t>
+            </a:r>
+            <a:endParaRPr sz="1800"/>
+          </a:p>
+          <a:p>
+            <a:pPr indent="-342900" lvl="2" marL="1371600" rtl="0" algn="l">
+              <a:spcBef>
+                <a:spcPts val="0"/>
+              </a:spcBef>
+              <a:spcAft>
+                <a:spcPts val="0"/>
+              </a:spcAft>
+              <a:buSzPts val="1800"/>
+              <a:buChar char="-"/>
+            </a:pPr>
+            <a:r>
+              <a:rPr lang="en"/>
+              <a:t>I believe this is because of small data size and indiscernible patterns</a:t>
+            </a:r>
+            <a:endParaRPr sz="1800"/>
+          </a:p>
+          <a:p>
+            <a:pPr indent="0" lvl="0" marL="0" rtl="0" algn="l">
+              <a:spcBef>
+                <a:spcPts val="360"/>
+              </a:spcBef>
+              <a:spcAft>
+                <a:spcPts val="0"/>
+              </a:spcAft>
+              <a:buNone/>
+            </a:pPr>
+            <a:r>
+              <a:t/>
+            </a:r>
+            <a:endParaRPr sz="1800"/>
+          </a:p>
+          <a:p>
+            <a:pPr indent="-342900" lvl="0" marL="457200" rtl="0" algn="l">
+              <a:spcBef>
+                <a:spcPts val="360"/>
+              </a:spcBef>
+              <a:spcAft>
+                <a:spcPts val="0"/>
+              </a:spcAft>
+              <a:buSzPts val="1800"/>
+              <a:buChar char="-"/>
+            </a:pPr>
+            <a:r>
+              <a:rPr lang="en" sz="1800"/>
+              <a:t>Training time</a:t>
+            </a:r>
+            <a:endParaRPr sz="1800"/>
+          </a:p>
+          <a:p>
+            <a:pPr indent="-342900" lvl="1" marL="914400" rtl="0" algn="l">
+              <a:spcBef>
+                <a:spcPts val="0"/>
+              </a:spcBef>
+              <a:spcAft>
+                <a:spcPts val="0"/>
+              </a:spcAft>
+              <a:buSzPts val="1800"/>
+              <a:buChar char="-"/>
+            </a:pPr>
+            <a:r>
+              <a:rPr lang="en" sz="1800"/>
+              <a:t>As E increases, the training time increases as expected</a:t>
+            </a:r>
+            <a:endParaRPr sz="1800"/>
+          </a:p>
+          <a:p>
+            <a:pPr indent="-342900" lvl="1" marL="914400" rtl="0" algn="l">
+              <a:spcBef>
+                <a:spcPts val="0"/>
+              </a:spcBef>
+              <a:spcAft>
+                <a:spcPts val="0"/>
+              </a:spcAft>
+              <a:buSzPts val="1800"/>
+              <a:buChar char="-"/>
+            </a:pPr>
+            <a:r>
+              <a:rPr lang="en" sz="1800"/>
+              <a:t>This is because of rise in data size</a:t>
+            </a:r>
+            <a:endParaRPr sz="1800"/>
+          </a:p>
+        </p:txBody>
+      </p:sp>
+    </p:spTree>
+  </p:cSld>
+  <p:clrMapOvr>
+    <a:masterClrMapping/>
+  </p:clrMapOvr>
+</p:sld>
+</file>
+
+<file path=ppt/slides/slide32.xml><?xml version="1.0" encoding="utf-8"?>
+<p:sld xmlns:a="http://schemas.openxmlformats.org/drawingml/2006/main" xmlns:r="http://schemas.openxmlformats.org/officeDocument/2006/relationships" xmlns:mc="http://schemas.openxmlformats.org/markup-compatibility/2006" xmlns:mv="urn:schemas-microsoft-com:mac:vml" xmlns:p="http://schemas.openxmlformats.org/presentationml/2006/main" xmlns:c="http://schemas.openxmlformats.org/drawingml/2006/chart" xmlns:dgm="http://schemas.openxmlformats.org/drawingml/2006/diagram" xmlns:o="urn:schemas-microsoft-com:office:office" xmlns:v="urn:schemas-microsoft-com:vml" xmlns:pvml="urn:schemas-microsoft-com:office:powerpoint" xmlns:com="http://schemas.openxmlformats.org/drawingml/2006/compatibility" xmlns:p14="http://schemas.microsoft.com/office/powerpoint/2010/main" xmlns:p15="http://schemas.microsoft.com/office/powerpoint/2012/main" xmlns:ahyp="http://schemas.microsoft.com/office/drawing/2018/hyperlinkcolor">
+  <p:cSld>
+    <p:spTree>
+      <p:nvGrpSpPr>
+        <p:cNvPr id="310" name="Shape 310"/>
+        <p:cNvGrpSpPr/>
+        <p:nvPr/>
+      </p:nvGrpSpPr>
+      <p:grpSpPr>
+        <a:xfrm>
+          <a:off x="0" y="0"/>
+          <a:ext cx="0" cy="0"/>
+          <a:chOff x="0" y="0"/>
+          <a:chExt cx="0" cy="0"/>
+        </a:xfrm>
+      </p:grpSpPr>
+      <p:sp>
+        <p:nvSpPr>
+          <p:cNvPr id="311" name="Google Shape;311;p56"/>
+          <p:cNvSpPr txBox="1"/>
+          <p:nvPr>
+            <p:ph type="title"/>
+          </p:nvPr>
+        </p:nvSpPr>
+        <p:spPr>
+          <a:xfrm>
+            <a:off x="457200" y="675085"/>
+            <a:ext cx="8229600" cy="801300"/>
+          </a:xfrm>
+          <a:prstGeom prst="rect">
+            <a:avLst/>
+          </a:prstGeom>
+        </p:spPr>
+        <p:txBody>
+          <a:bodyPr anchorCtr="0" anchor="ctr" bIns="45700" lIns="91425" spcFirstLastPara="1" rIns="91425" wrap="square" tIns="45700">
+            <a:noAutofit/>
+          </a:bodyPr>
+          <a:lstStyle/>
+          <a:p>
+            <a:pPr indent="0" lvl="0" marL="0" rtl="0" algn="ctr">
+              <a:spcBef>
+                <a:spcPts val="0"/>
+              </a:spcBef>
+              <a:spcAft>
+                <a:spcPts val="0"/>
+              </a:spcAft>
+              <a:buNone/>
+            </a:pPr>
+            <a:r>
+              <a:rPr lang="en"/>
+              <a:t>A better approach?</a:t>
+            </a:r>
+            <a:endParaRPr/>
+          </a:p>
+        </p:txBody>
+      </p:sp>
+      <p:sp>
+        <p:nvSpPr>
+          <p:cNvPr id="312" name="Google Shape;312;p56"/>
+          <p:cNvSpPr txBox="1"/>
+          <p:nvPr>
+            <p:ph idx="1" type="body"/>
+          </p:nvPr>
+        </p:nvSpPr>
+        <p:spPr>
+          <a:xfrm>
+            <a:off x="457200" y="1751525"/>
+            <a:ext cx="8229600" cy="2843100"/>
+          </a:xfrm>
+          <a:prstGeom prst="rect">
+            <a:avLst/>
+          </a:prstGeom>
+        </p:spPr>
+        <p:txBody>
+          <a:bodyPr anchorCtr="0" anchor="t" bIns="45700" lIns="91425" spcFirstLastPara="1" rIns="91425" wrap="square" tIns="45700">
+            <a:noAutofit/>
+          </a:bodyPr>
+          <a:lstStyle/>
+          <a:p>
+            <a:pPr indent="-342900" lvl="0" marL="457200" rtl="0" algn="l">
+              <a:spcBef>
+                <a:spcPts val="360"/>
+              </a:spcBef>
+              <a:spcAft>
+                <a:spcPts val="0"/>
+              </a:spcAft>
+              <a:buSzPts val="1800"/>
+              <a:buChar char="-"/>
+            </a:pPr>
+            <a:r>
+              <a:rPr lang="en" sz="1800"/>
               <a:t>Instead of predicting just M=150, we can predict a vector of eval_accuracies.</a:t>
             </a:r>
             <a:endParaRPr sz="1800"/>
@@ -22876,11 +23171,78 @@
             </a:r>
             <a:endParaRPr sz="1800"/>
           </a:p>
+          <a:p>
+            <a:pPr indent="0" lvl="0" marL="0" rtl="0" algn="l">
+              <a:spcBef>
+                <a:spcPts val="360"/>
+              </a:spcBef>
+              <a:spcAft>
+                <a:spcPts val="0"/>
+              </a:spcAft>
+              <a:buNone/>
+            </a:pPr>
+            <a:r>
+              <a:t/>
+            </a:r>
+            <a:endParaRPr sz="1800"/>
+          </a:p>
+          <a:p>
+            <a:pPr indent="-342900" lvl="0" marL="457200" rtl="0" algn="l">
+              <a:spcBef>
+                <a:spcPts val="360"/>
+              </a:spcBef>
+              <a:spcAft>
+                <a:spcPts val="0"/>
+              </a:spcAft>
+              <a:buSzPts val="1800"/>
+              <a:buChar char="-"/>
+            </a:pPr>
+            <a:r>
+              <a:rPr lang="en" sz="1800"/>
+              <a:t>Why is it better?</a:t>
+            </a:r>
+            <a:endParaRPr sz="1800"/>
+          </a:p>
+          <a:p>
+            <a:pPr indent="-342900" lvl="1" marL="914400" rtl="0" algn="l">
+              <a:spcBef>
+                <a:spcPts val="0"/>
+              </a:spcBef>
+              <a:spcAft>
+                <a:spcPts val="0"/>
+              </a:spcAft>
+              <a:buSzPts val="1800"/>
+              <a:buChar char="-"/>
+            </a:pPr>
+            <a:r>
+              <a:rPr lang="en" sz="1800"/>
+              <a:t>We can choose the best accuracy from a predicted</a:t>
+            </a:r>
+            <a:br>
+              <a:rPr lang="en" sz="1800"/>
+            </a:br>
+            <a:r>
+              <a:rPr lang="en" sz="1800"/>
+              <a:t>v</a:t>
+            </a:r>
+            <a:r>
+              <a:rPr lang="en" sz="1800"/>
+              <a:t>ector. We also train fewer models in the </a:t>
+            </a:r>
+            <a:br>
+              <a:rPr lang="en" sz="1800"/>
+            </a:br>
+            <a:r>
+              <a:rPr lang="en" sz="1800"/>
+              <a:t>process</a:t>
+            </a:r>
+            <a:endParaRPr sz="1800"/>
+          </a:p>
         </p:txBody>
       </p:sp>
       <p:pic>
         <p:nvPicPr>
-          <p:cNvPr id="307" name="Google Shape;307;p55"/>
+          <p:cNvPr id="313" name="Google Shape;313;p56"/>
           <p:cNvPicPr preferRelativeResize="0"/>
           <p:nvPr/>
         </p:nvPicPr>
@@ -22906,212 +23268,6 @@
           </a:ln>
         </p:spPr>
       </p:pic>
-    </p:spTree>
-  </p:cSld>
-  <p:clrMapOvr>
-    <a:masterClrMapping/>
-  </p:clrMapOvr>
-</p:sld>
-</file>
-
-<file path=ppt/slides/slide32.xml><?xml version="1.0" encoding="utf-8"?>
-<p:sld xmlns:a="http://schemas.openxmlformats.org/drawingml/2006/main" xmlns:r="http://schemas.openxmlformats.org/officeDocument/2006/relationships" xmlns:mc="http://schemas.openxmlformats.org/markup-compatibility/2006" xmlns:mv="urn:schemas-microsoft-com:mac:vml" xmlns:p="http://schemas.openxmlformats.org/presentationml/2006/main" xmlns:c="http://schemas.openxmlformats.org/drawingml/2006/chart" xmlns:dgm="http://schemas.openxmlformats.org/drawingml/2006/diagram" xmlns:o="urn:schemas-microsoft-com:office:office" xmlns:v="urn:schemas-microsoft-com:vml" xmlns:pvml="urn:schemas-microsoft-com:office:powerpoint" xmlns:com="http://schemas.openxmlformats.org/drawingml/2006/compatibility" xmlns:p14="http://schemas.microsoft.com/office/powerpoint/2010/main" xmlns:p15="http://schemas.microsoft.com/office/powerpoint/2012/main" xmlns:ahyp="http://schemas.microsoft.com/office/drawing/2018/hyperlinkcolor">
-  <p:cSld>
-    <p:spTree>
-      <p:nvGrpSpPr>
-        <p:cNvPr id="311" name="Shape 311"/>
-        <p:cNvGrpSpPr/>
-        <p:nvPr/>
-      </p:nvGrpSpPr>
-      <p:grpSpPr>
-        <a:xfrm>
-          <a:off x="0" y="0"/>
-          <a:ext cx="0" cy="0"/>
-          <a:chOff x="0" y="0"/>
-          <a:chExt cx="0" cy="0"/>
-        </a:xfrm>
-      </p:grpSpPr>
-      <p:sp>
-        <p:nvSpPr>
-          <p:cNvPr id="312" name="Google Shape;312;p56"/>
-          <p:cNvSpPr txBox="1"/>
-          <p:nvPr>
-            <p:ph type="title"/>
-          </p:nvPr>
-        </p:nvSpPr>
-        <p:spPr>
-          <a:xfrm>
-            <a:off x="457200" y="675085"/>
-            <a:ext cx="8229600" cy="801300"/>
-          </a:xfrm>
-          <a:prstGeom prst="rect">
-            <a:avLst/>
-          </a:prstGeom>
-        </p:spPr>
-        <p:txBody>
-          <a:bodyPr anchorCtr="0" anchor="ctr" bIns="45700" lIns="91425" spcFirstLastPara="1" rIns="91425" wrap="square" tIns="45700">
-            <a:noAutofit/>
-          </a:bodyPr>
-          <a:lstStyle/>
-          <a:p>
-            <a:pPr indent="0" lvl="0" marL="0" rtl="0" algn="ctr">
-              <a:spcBef>
-                <a:spcPts val="0"/>
-              </a:spcBef>
-              <a:spcAft>
-                <a:spcPts val="0"/>
-              </a:spcAft>
-              <a:buNone/>
-            </a:pPr>
-            <a:r>
-              <a:rPr lang="en"/>
-              <a:t>A better approach?</a:t>
-            </a:r>
-            <a:endParaRPr/>
-          </a:p>
-        </p:txBody>
-      </p:sp>
-      <p:sp>
-        <p:nvSpPr>
-          <p:cNvPr id="313" name="Google Shape;313;p56"/>
-          <p:cNvSpPr txBox="1"/>
-          <p:nvPr>
-            <p:ph idx="1" type="body"/>
-          </p:nvPr>
-        </p:nvSpPr>
-        <p:spPr>
-          <a:xfrm>
-            <a:off x="457200" y="1751525"/>
-            <a:ext cx="8229600" cy="2843100"/>
-          </a:xfrm>
-          <a:prstGeom prst="rect">
-            <a:avLst/>
-          </a:prstGeom>
-        </p:spPr>
-        <p:txBody>
-          <a:bodyPr anchorCtr="0" anchor="t" bIns="45700" lIns="91425" spcFirstLastPara="1" rIns="91425" wrap="square" tIns="45700">
-            <a:noAutofit/>
-          </a:bodyPr>
-          <a:lstStyle/>
-          <a:p>
-            <a:pPr indent="-342900" lvl="0" marL="457200" rtl="0" algn="l">
-              <a:spcBef>
-                <a:spcPts val="360"/>
-              </a:spcBef>
-              <a:spcAft>
-                <a:spcPts val="0"/>
-              </a:spcAft>
-              <a:buSzPts val="1800"/>
-              <a:buChar char="-"/>
-            </a:pPr>
-            <a:r>
-              <a:rPr lang="en" sz="1800"/>
-              <a:t>I am travelling and through the weekend and hence I am unable to complete this implementation. </a:t>
-            </a:r>
-            <a:endParaRPr sz="1800"/>
-          </a:p>
-          <a:p>
-            <a:pPr indent="-342900" lvl="0" marL="457200" rtl="0" algn="l">
-              <a:spcBef>
-                <a:spcPts val="0"/>
-              </a:spcBef>
-              <a:spcAft>
-                <a:spcPts val="0"/>
-              </a:spcAft>
-              <a:buSzPts val="1800"/>
-              <a:buChar char="-"/>
-            </a:pPr>
-            <a:r>
-              <a:rPr lang="en" sz="1800"/>
-              <a:t>I won’t be back in time for the submission deadline.</a:t>
-            </a:r>
-            <a:endParaRPr sz="1800"/>
-          </a:p>
-          <a:p>
-            <a:pPr indent="-342900" lvl="0" marL="457200" rtl="0" algn="l">
-              <a:spcBef>
-                <a:spcPts val="0"/>
-              </a:spcBef>
-              <a:spcAft>
-                <a:spcPts val="0"/>
-              </a:spcAft>
-              <a:buSzPts val="1800"/>
-              <a:buChar char="-"/>
-            </a:pPr>
-            <a:r>
-              <a:rPr lang="en" sz="1800"/>
-              <a:t>However, implementing this would not be a huge feat.</a:t>
-            </a:r>
-            <a:endParaRPr sz="1800"/>
-          </a:p>
-          <a:p>
-            <a:pPr indent="0" lvl="0" marL="0" rtl="0" algn="l">
-              <a:spcBef>
-                <a:spcPts val="360"/>
-              </a:spcBef>
-              <a:spcAft>
-                <a:spcPts val="0"/>
-              </a:spcAft>
-              <a:buNone/>
-            </a:pPr>
-            <a:r>
-              <a:t/>
-            </a:r>
-            <a:endParaRPr sz="1800"/>
-          </a:p>
-          <a:p>
-            <a:pPr indent="-342900" lvl="0" marL="457200" rtl="0" algn="l">
-              <a:spcBef>
-                <a:spcPts val="360"/>
-              </a:spcBef>
-              <a:spcAft>
-                <a:spcPts val="0"/>
-              </a:spcAft>
-              <a:buSzPts val="1800"/>
-              <a:buChar char="-"/>
-            </a:pPr>
-            <a:r>
-              <a:rPr lang="en" sz="1800"/>
-              <a:t>Ideas worth exploring</a:t>
-            </a:r>
-            <a:endParaRPr sz="1800"/>
-          </a:p>
-          <a:p>
-            <a:pPr indent="-342900" lvl="1" marL="914400" rtl="0" algn="l">
-              <a:spcBef>
-                <a:spcPts val="0"/>
-              </a:spcBef>
-              <a:spcAft>
-                <a:spcPts val="0"/>
-              </a:spcAft>
-              <a:buSzPts val="1800"/>
-              <a:buChar char="-"/>
-            </a:pPr>
-            <a:r>
-              <a:rPr lang="en" sz="1800"/>
-              <a:t>Different models per E</a:t>
-            </a:r>
-            <a:endParaRPr sz="1800"/>
-          </a:p>
-          <a:p>
-            <a:pPr indent="-342900" lvl="1" marL="914400" rtl="0" algn="l">
-              <a:spcBef>
-                <a:spcPts val="0"/>
-              </a:spcBef>
-              <a:spcAft>
-                <a:spcPts val="0"/>
-              </a:spcAft>
-              <a:buSzPts val="1800"/>
-              <a:buChar char="-"/>
-            </a:pPr>
-            <a:r>
-              <a:rPr lang="en" sz="1800"/>
-              <a:t>A single model that can take “None” tokens for a dynamic E value.</a:t>
-            </a:r>
-            <a:endParaRPr sz="1800"/>
-          </a:p>
-        </p:txBody>
-      </p:sp>
     </p:spTree>
   </p:cSld>
   <p:clrMapOvr>
@@ -23171,7 +23327,7 @@
             </a:pPr>
             <a:r>
               <a:rPr lang="en"/>
-              <a:t>Results</a:t>
+              <a:t>A better approach?</a:t>
             </a:r>
             <a:endParaRPr/>
           </a:p>
@@ -23212,7 +23368,41 @@
             </a:pPr>
             <a:r>
               <a:rPr lang="en" sz="1800"/>
-              <a:t>The predicted values for test data as extracted from partition.txt are stored in the folder “./results/e{E value}/result.csv”</a:t>
+              <a:t>I am travelling and through the weekend and hence I am unable to complete this implementation. </a:t>
+            </a:r>
+            <a:endParaRPr sz="1800"/>
+          </a:p>
+          <a:p>
+            <a:pPr indent="-342900" lvl="0" marL="457200" rtl="0" algn="l">
+              <a:spcBef>
+                <a:spcPts val="0"/>
+              </a:spcBef>
+              <a:spcAft>
+                <a:spcPts val="0"/>
+              </a:spcAft>
+              <a:buSzPts val="1800"/>
+              <a:buChar char="-"/>
+            </a:pPr>
+            <a:r>
+              <a:rPr lang="en" sz="1800"/>
+              <a:t>I won’t be back in time for the submission deadline.</a:t>
+            </a:r>
+            <a:endParaRPr sz="1800"/>
+          </a:p>
+          <a:p>
+            <a:pPr indent="-342900" lvl="0" marL="457200" rtl="0" algn="l">
+              <a:spcBef>
+                <a:spcPts val="0"/>
+              </a:spcBef>
+              <a:spcAft>
+                <a:spcPts val="0"/>
+              </a:spcAft>
+              <a:buSzPts val="1800"/>
+              <a:buChar char="-"/>
+            </a:pPr>
+            <a:r>
+              <a:rPr lang="en" sz="1800"/>
+              <a:t>However, implementing this would not be a huge feat.</a:t>
             </a:r>
             <a:endParaRPr sz="1800"/>
           </a:p>
@@ -23232,7 +23422,7 @@
             <a:endParaRPr sz="1800"/>
           </a:p>
           <a:p>
-            <a:pPr indent="-342900" lvl="0" marL="914400" rtl="0" algn="l">
+            <a:pPr indent="-342900" lvl="0" marL="457200" rtl="0" algn="l">
               <a:spcBef>
                 <a:spcPts val="360"/>
               </a:spcBef>
@@ -23244,7 +23434,41 @@
             </a:pPr>
             <a:r>
               <a:rPr lang="en" sz="1800"/>
-              <a:t>Each folder corresponds to an E value</a:t>
+              <a:t>Ideas worth exploring</a:t>
+            </a:r>
+            <a:endParaRPr sz="1800"/>
+          </a:p>
+          <a:p>
+            <a:pPr indent="-342900" lvl="1" marL="914400" rtl="0" algn="l">
+              <a:spcBef>
+                <a:spcPts val="0"/>
+              </a:spcBef>
+              <a:spcAft>
+                <a:spcPts val="0"/>
+              </a:spcAft>
+              <a:buSzPts val="1800"/>
+              <a:buChar char="-"/>
+            </a:pPr>
+            <a:r>
+              <a:rPr lang="en" sz="1800"/>
+              <a:t>Different models per E</a:t>
+            </a:r>
+            <a:endParaRPr sz="1800"/>
+          </a:p>
+          <a:p>
+            <a:pPr indent="-342900" lvl="1" marL="914400" rtl="0" algn="l">
+              <a:spcBef>
+                <a:spcPts val="0"/>
+              </a:spcBef>
+              <a:spcAft>
+                <a:spcPts val="0"/>
+              </a:spcAft>
+              <a:buSzPts val="1800"/>
+              <a:buChar char="-"/>
+            </a:pPr>
+            <a:r>
+              <a:rPr lang="en" sz="1800"/>
+              <a:t>A single model that can take “None” tokens for a dynamic E value.</a:t>
             </a:r>
             <a:endParaRPr sz="1800"/>
           </a:p>
@@ -23309,7 +23533,7 @@
             </a:pPr>
             <a:r>
               <a:rPr lang="en"/>
-              <a:t>Reproducing the Results</a:t>
+              <a:t>A better approach?</a:t>
             </a:r>
             <a:endParaRPr/>
           </a:p>
@@ -23350,12 +23574,12 @@
             </a:pPr>
             <a:r>
               <a:rPr lang="en" sz="1800"/>
-              <a:t>Pip packages</a:t>
+              <a:t>It is also worth exploring using pure attention models</a:t>
             </a:r>
             <a:endParaRPr sz="1800"/>
           </a:p>
           <a:p>
-            <a:pPr indent="-342900" lvl="0" marL="914400" rtl="0" algn="l">
+            <a:pPr indent="-342900" lvl="1" marL="914400" rtl="0" algn="l">
               <a:spcBef>
                 <a:spcPts val="0"/>
               </a:spcBef>
@@ -23367,14 +23591,29 @@
             </a:pPr>
             <a:r>
               <a:rPr lang="en" sz="1800"/>
-              <a:t>pip install tensorflow==2.12.0</a:t>
+              <a:t>Transformers</a:t>
             </a:r>
             <a:endParaRPr sz="1800"/>
           </a:p>
           <a:p>
-            <a:pPr indent="-342900" lvl="0" marL="914400" rtl="0" algn="l">
-              <a:spcBef>
-                <a:spcPts val="0"/>
+            <a:pPr indent="0" lvl="0" marL="0" rtl="0" algn="l">
+              <a:spcBef>
+                <a:spcPts val="360"/>
+              </a:spcBef>
+              <a:spcAft>
+                <a:spcPts val="0"/>
+              </a:spcAft>
+              <a:buNone/>
+            </a:pPr>
+            <a:r>
+              <a:t/>
+            </a:r>
+            <a:endParaRPr sz="1800"/>
+          </a:p>
+          <a:p>
+            <a:pPr indent="-342900" lvl="0" marL="457200" rtl="0" algn="l">
+              <a:spcBef>
+                <a:spcPts val="360"/>
               </a:spcBef>
               <a:spcAft>
                 <a:spcPts val="0"/>
@@ -23384,12 +23623,25 @@
             </a:pPr>
             <a:r>
               <a:rPr lang="en" sz="1800"/>
-              <a:t>pip install matplotlib==3.7.1</a:t>
+              <a:t>According to my one of my previous projects on implementing a </a:t>
+            </a:r>
+            <a:r>
+              <a:rPr lang="en" sz="1800" u="sng">
+                <a:solidFill>
+                  <a:schemeClr val="hlink"/>
+                </a:solidFill>
+                <a:hlinkClick r:id="rId3"/>
+              </a:rPr>
+              <a:t>small transformer from scratch</a:t>
+            </a:r>
+            <a:r>
+              <a:rPr lang="en" sz="1800"/>
+              <a:t>, I have seen that</a:t>
             </a:r>
             <a:endParaRPr sz="1800"/>
           </a:p>
           <a:p>
-            <a:pPr indent="-342900" lvl="0" marL="914400" rtl="0" algn="l">
+            <a:pPr indent="-342900" lvl="1" marL="914400" rtl="0" algn="l">
               <a:spcBef>
                 <a:spcPts val="0"/>
               </a:spcBef>
@@ -23401,12 +23653,12 @@
             </a:pPr>
             <a:r>
               <a:rPr lang="en" sz="1800"/>
-              <a:t>pip install pandas==1.3.5</a:t>
+              <a:t>They are faster</a:t>
             </a:r>
             <a:endParaRPr sz="1800"/>
           </a:p>
           <a:p>
-            <a:pPr indent="-342900" lvl="0" marL="914400" rtl="0" algn="l">
+            <a:pPr indent="-342900" lvl="1" marL="914400" rtl="0" algn="l">
               <a:spcBef>
                 <a:spcPts val="0"/>
               </a:spcBef>
@@ -23418,7 +23670,7 @@
             </a:pPr>
             <a:r>
               <a:rPr lang="en" sz="1800"/>
-              <a:t>pip install numpy==1.22.4</a:t>
+              <a:t>They have better history retention</a:t>
             </a:r>
             <a:endParaRPr sz="1800"/>
           </a:p>
@@ -23434,6 +23686,23 @@
             </a:pPr>
             <a:r>
               <a:t/>
+            </a:r>
+            <a:endParaRPr sz="1800"/>
+          </a:p>
+          <a:p>
+            <a:pPr indent="-342900" lvl="0" marL="457200" rtl="0" algn="l">
+              <a:spcBef>
+                <a:spcPts val="360"/>
+              </a:spcBef>
+              <a:spcAft>
+                <a:spcPts val="0"/>
+              </a:spcAft>
+              <a:buSzPts val="1800"/>
+              <a:buChar char="-"/>
+            </a:pPr>
+            <a:r>
+              <a:rPr lang="en" sz="1800"/>
+              <a:t>For such a small data, this might be overkill</a:t>
             </a:r>
             <a:endParaRPr sz="1800"/>
           </a:p>
@@ -23498,7 +23767,7 @@
             </a:pPr>
             <a:r>
               <a:rPr lang="en"/>
-              <a:t>Reproducing the Results</a:t>
+              <a:t>Results</a:t>
             </a:r>
             <a:endParaRPr/>
           </a:p>
@@ -23539,24 +23808,7 @@
             </a:pPr>
             <a:r>
               <a:rPr lang="en" sz="1800"/>
-              <a:t>For training</a:t>
-            </a:r>
-            <a:endParaRPr sz="1800"/>
-          </a:p>
-          <a:p>
-            <a:pPr indent="-342900" lvl="1" marL="914400" rtl="0" algn="l">
-              <a:spcBef>
-                <a:spcPts val="0"/>
-              </a:spcBef>
-              <a:spcAft>
-                <a:spcPts val="0"/>
-              </a:spcAft>
-              <a:buSzPts val="1800"/>
-              <a:buChar char="-"/>
-            </a:pPr>
-            <a:r>
-              <a:rPr lang="en" sz="1800"/>
-              <a:t>Go through model.ipynb and run cells under the desired markdown heading</a:t>
+              <a:t>The predicted values for test data as extracted from partition.txt are stored in the folder “./results/e{E value}/result.csv”</a:t>
             </a:r>
             <a:endParaRPr sz="1800"/>
           </a:p>
@@ -23576,7 +23828,7 @@
             <a:endParaRPr sz="1800"/>
           </a:p>
           <a:p>
-            <a:pPr indent="-342900" lvl="0" marL="457200" rtl="0" algn="l">
+            <a:pPr indent="-342900" lvl="0" marL="914400" rtl="0" algn="l">
               <a:spcBef>
                 <a:spcPts val="360"/>
               </a:spcBef>
@@ -23588,73 +23840,7 @@
             </a:pPr>
             <a:r>
               <a:rPr lang="en" sz="1800"/>
-              <a:t>For reproducing results</a:t>
-            </a:r>
-            <a:endParaRPr sz="1800"/>
-          </a:p>
-          <a:p>
-            <a:pPr indent="-342900" lvl="1" marL="914400" rtl="0" algn="l">
-              <a:spcBef>
-                <a:spcPts val="0"/>
-              </a:spcBef>
-              <a:spcAft>
-                <a:spcPts val="0"/>
-              </a:spcAft>
-              <a:buSzPts val="1800"/>
-              <a:buChar char="-"/>
-            </a:pPr>
-            <a:r>
-              <a:rPr lang="en" sz="1800"/>
-              <a:t>run "python reproduce_results.py"</a:t>
-            </a:r>
-            <a:endParaRPr sz="1800"/>
-          </a:p>
-          <a:p>
-            <a:pPr indent="-342900" lvl="1" marL="914400" rtl="0" algn="l">
-              <a:spcBef>
-                <a:spcPts val="0"/>
-              </a:spcBef>
-              <a:spcAft>
-                <a:spcPts val="0"/>
-              </a:spcAft>
-              <a:buSzPts val="1800"/>
-              <a:buChar char="-"/>
-            </a:pPr>
-            <a:r>
-              <a:rPr lang="en" sz="1800"/>
-              <a:t>The result will print on the screen</a:t>
-            </a:r>
-            <a:endParaRPr sz="1800"/>
-          </a:p>
-          <a:p>
-            <a:pPr indent="-342900" lvl="1" marL="914400" rtl="0" algn="l">
-              <a:spcBef>
-                <a:spcPts val="0"/>
-              </a:spcBef>
-              <a:spcAft>
-                <a:spcPts val="0"/>
-              </a:spcAft>
-              <a:buSzPts val="1800"/>
-              <a:buChar char="-"/>
-            </a:pPr>
-            <a:r>
-              <a:rPr lang="en" sz="1800"/>
-              <a:t>The result will also be in the folder ./reproduced_results/e{E value}</a:t>
-            </a:r>
-            <a:endParaRPr sz="1800"/>
-          </a:p>
-          <a:p>
-            <a:pPr indent="0" lvl="0" marL="0" rtl="0" algn="l">
-              <a:spcBef>
-                <a:spcPts val="360"/>
-              </a:spcBef>
-              <a:spcAft>
-                <a:spcPts val="0"/>
-              </a:spcAft>
-              <a:buNone/>
-            </a:pPr>
-            <a:r>
-              <a:t/>
+              <a:t>Each folder corresponds to an E value</a:t>
             </a:r>
             <a:endParaRPr sz="1800"/>
           </a:p>
@@ -23673,7 +23859,7 @@
   <p:cSld>
     <p:spTree>
       <p:nvGrpSpPr>
-        <p:cNvPr id="336" name="Shape 336"/>
+        <p:cNvPr id="335" name="Shape 335"/>
         <p:cNvGrpSpPr/>
         <p:nvPr/>
       </p:nvGrpSpPr>
@@ -23687,7 +23873,417 @@
       </p:grpSpPr>
       <p:sp>
         <p:nvSpPr>
+          <p:cNvPr id="336" name="Google Shape;336;p60"/>
+          <p:cNvSpPr txBox="1"/>
+          <p:nvPr>
+            <p:ph type="title"/>
+          </p:nvPr>
+        </p:nvSpPr>
+        <p:spPr>
+          <a:xfrm>
+            <a:off x="457200" y="675085"/>
+            <a:ext cx="8229600" cy="801300"/>
+          </a:xfrm>
+          <a:prstGeom prst="rect">
+            <a:avLst/>
+          </a:prstGeom>
+        </p:spPr>
+        <p:txBody>
+          <a:bodyPr anchorCtr="0" anchor="ctr" bIns="45700" lIns="91425" spcFirstLastPara="1" rIns="91425" wrap="square" tIns="45700">
+            <a:noAutofit/>
+          </a:bodyPr>
+          <a:lstStyle/>
+          <a:p>
+            <a:pPr indent="0" lvl="0" marL="0" rtl="0" algn="ctr">
+              <a:spcBef>
+                <a:spcPts val="0"/>
+              </a:spcBef>
+              <a:spcAft>
+                <a:spcPts val="0"/>
+              </a:spcAft>
+              <a:buNone/>
+            </a:pPr>
+            <a:r>
+              <a:rPr lang="en"/>
+              <a:t>Reproducing the Results</a:t>
+            </a:r>
+            <a:endParaRPr/>
+          </a:p>
+        </p:txBody>
+      </p:sp>
+      <p:sp>
+        <p:nvSpPr>
           <p:cNvPr id="337" name="Google Shape;337;p60"/>
+          <p:cNvSpPr txBox="1"/>
+          <p:nvPr>
+            <p:ph idx="1" type="body"/>
+          </p:nvPr>
+        </p:nvSpPr>
+        <p:spPr>
+          <a:xfrm>
+            <a:off x="457200" y="1751525"/>
+            <a:ext cx="8229600" cy="2843100"/>
+          </a:xfrm>
+          <a:prstGeom prst="rect">
+            <a:avLst/>
+          </a:prstGeom>
+        </p:spPr>
+        <p:txBody>
+          <a:bodyPr anchorCtr="0" anchor="t" bIns="45700" lIns="91425" spcFirstLastPara="1" rIns="91425" wrap="square" tIns="45700">
+            <a:noAutofit/>
+          </a:bodyPr>
+          <a:lstStyle/>
+          <a:p>
+            <a:pPr indent="-342900" lvl="0" marL="457200" rtl="0" algn="l">
+              <a:spcBef>
+                <a:spcPts val="360"/>
+              </a:spcBef>
+              <a:spcAft>
+                <a:spcPts val="0"/>
+              </a:spcAft>
+              <a:buSzPts val="1800"/>
+              <a:buChar char="-"/>
+            </a:pPr>
+            <a:r>
+              <a:rPr lang="en" sz="1800"/>
+              <a:t>Pip packages</a:t>
+            </a:r>
+            <a:endParaRPr sz="1800"/>
+          </a:p>
+          <a:p>
+            <a:pPr indent="-342900" lvl="0" marL="914400" rtl="0" algn="l">
+              <a:spcBef>
+                <a:spcPts val="0"/>
+              </a:spcBef>
+              <a:spcAft>
+                <a:spcPts val="0"/>
+              </a:spcAft>
+              <a:buSzPts val="1800"/>
+              <a:buChar char="-"/>
+            </a:pPr>
+            <a:r>
+              <a:rPr lang="en" sz="1800"/>
+              <a:t>pip install tensorflow==2.12.0</a:t>
+            </a:r>
+            <a:endParaRPr sz="1800"/>
+          </a:p>
+          <a:p>
+            <a:pPr indent="-342900" lvl="0" marL="914400" rtl="0" algn="l">
+              <a:spcBef>
+                <a:spcPts val="0"/>
+              </a:spcBef>
+              <a:spcAft>
+                <a:spcPts val="0"/>
+              </a:spcAft>
+              <a:buSzPts val="1800"/>
+              <a:buChar char="-"/>
+            </a:pPr>
+            <a:r>
+              <a:rPr lang="en" sz="1800"/>
+              <a:t>pip install matplotlib==3.7.1</a:t>
+            </a:r>
+            <a:endParaRPr sz="1800"/>
+          </a:p>
+          <a:p>
+            <a:pPr indent="-342900" lvl="0" marL="914400" rtl="0" algn="l">
+              <a:spcBef>
+                <a:spcPts val="0"/>
+              </a:spcBef>
+              <a:spcAft>
+                <a:spcPts val="0"/>
+              </a:spcAft>
+              <a:buSzPts val="1800"/>
+              <a:buChar char="-"/>
+            </a:pPr>
+            <a:r>
+              <a:rPr lang="en" sz="1800"/>
+              <a:t>pip install pandas==1.3.5</a:t>
+            </a:r>
+            <a:endParaRPr sz="1800"/>
+          </a:p>
+          <a:p>
+            <a:pPr indent="-342900" lvl="0" marL="914400" rtl="0" algn="l">
+              <a:spcBef>
+                <a:spcPts val="0"/>
+              </a:spcBef>
+              <a:spcAft>
+                <a:spcPts val="0"/>
+              </a:spcAft>
+              <a:buSzPts val="1800"/>
+              <a:buChar char="-"/>
+            </a:pPr>
+            <a:r>
+              <a:rPr lang="en" sz="1800"/>
+              <a:t>pip install numpy==1.22.4</a:t>
+            </a:r>
+            <a:endParaRPr sz="1800"/>
+          </a:p>
+          <a:p>
+            <a:pPr indent="0" lvl="0" marL="0" rtl="0" algn="l">
+              <a:spcBef>
+                <a:spcPts val="360"/>
+              </a:spcBef>
+              <a:spcAft>
+                <a:spcPts val="0"/>
+              </a:spcAft>
+              <a:buNone/>
+            </a:pPr>
+            <a:r>
+              <a:t/>
+            </a:r>
+            <a:endParaRPr sz="1800"/>
+          </a:p>
+        </p:txBody>
+      </p:sp>
+    </p:spTree>
+  </p:cSld>
+  <p:clrMapOvr>
+    <a:masterClrMapping/>
+  </p:clrMapOvr>
+</p:sld>
+</file>
+
+<file path=ppt/slides/slide37.xml><?xml version="1.0" encoding="utf-8"?>
+<p:sld xmlns:a="http://schemas.openxmlformats.org/drawingml/2006/main" xmlns:r="http://schemas.openxmlformats.org/officeDocument/2006/relationships" xmlns:mc="http://schemas.openxmlformats.org/markup-compatibility/2006" xmlns:mv="urn:schemas-microsoft-com:mac:vml" xmlns:p="http://schemas.openxmlformats.org/presentationml/2006/main" xmlns:c="http://schemas.openxmlformats.org/drawingml/2006/chart" xmlns:dgm="http://schemas.openxmlformats.org/drawingml/2006/diagram" xmlns:o="urn:schemas-microsoft-com:office:office" xmlns:v="urn:schemas-microsoft-com:vml" xmlns:pvml="urn:schemas-microsoft-com:office:powerpoint" xmlns:com="http://schemas.openxmlformats.org/drawingml/2006/compatibility" xmlns:p14="http://schemas.microsoft.com/office/powerpoint/2010/main" xmlns:p15="http://schemas.microsoft.com/office/powerpoint/2012/main" xmlns:ahyp="http://schemas.microsoft.com/office/drawing/2018/hyperlinkcolor">
+  <p:cSld>
+    <p:spTree>
+      <p:nvGrpSpPr>
+        <p:cNvPr id="341" name="Shape 341"/>
+        <p:cNvGrpSpPr/>
+        <p:nvPr/>
+      </p:nvGrpSpPr>
+      <p:grpSpPr>
+        <a:xfrm>
+          <a:off x="0" y="0"/>
+          <a:ext cx="0" cy="0"/>
+          <a:chOff x="0" y="0"/>
+          <a:chExt cx="0" cy="0"/>
+        </a:xfrm>
+      </p:grpSpPr>
+      <p:sp>
+        <p:nvSpPr>
+          <p:cNvPr id="342" name="Google Shape;342;p61"/>
+          <p:cNvSpPr txBox="1"/>
+          <p:nvPr>
+            <p:ph type="title"/>
+          </p:nvPr>
+        </p:nvSpPr>
+        <p:spPr>
+          <a:xfrm>
+            <a:off x="457200" y="675085"/>
+            <a:ext cx="8229600" cy="801300"/>
+          </a:xfrm>
+          <a:prstGeom prst="rect">
+            <a:avLst/>
+          </a:prstGeom>
+        </p:spPr>
+        <p:txBody>
+          <a:bodyPr anchorCtr="0" anchor="ctr" bIns="45700" lIns="91425" spcFirstLastPara="1" rIns="91425" wrap="square" tIns="45700">
+            <a:noAutofit/>
+          </a:bodyPr>
+          <a:lstStyle/>
+          <a:p>
+            <a:pPr indent="0" lvl="0" marL="0" rtl="0" algn="ctr">
+              <a:spcBef>
+                <a:spcPts val="0"/>
+              </a:spcBef>
+              <a:spcAft>
+                <a:spcPts val="0"/>
+              </a:spcAft>
+              <a:buNone/>
+            </a:pPr>
+            <a:r>
+              <a:rPr lang="en"/>
+              <a:t>Reproducing the Results</a:t>
+            </a:r>
+            <a:endParaRPr/>
+          </a:p>
+        </p:txBody>
+      </p:sp>
+      <p:sp>
+        <p:nvSpPr>
+          <p:cNvPr id="343" name="Google Shape;343;p61"/>
+          <p:cNvSpPr txBox="1"/>
+          <p:nvPr>
+            <p:ph idx="1" type="body"/>
+          </p:nvPr>
+        </p:nvSpPr>
+        <p:spPr>
+          <a:xfrm>
+            <a:off x="457200" y="1751525"/>
+            <a:ext cx="8229600" cy="2843100"/>
+          </a:xfrm>
+          <a:prstGeom prst="rect">
+            <a:avLst/>
+          </a:prstGeom>
+        </p:spPr>
+        <p:txBody>
+          <a:bodyPr anchorCtr="0" anchor="t" bIns="45700" lIns="91425" spcFirstLastPara="1" rIns="91425" wrap="square" tIns="45700">
+            <a:noAutofit/>
+          </a:bodyPr>
+          <a:lstStyle/>
+          <a:p>
+            <a:pPr indent="-342900" lvl="0" marL="457200" rtl="0" algn="l">
+              <a:spcBef>
+                <a:spcPts val="360"/>
+              </a:spcBef>
+              <a:spcAft>
+                <a:spcPts val="0"/>
+              </a:spcAft>
+              <a:buSzPts val="1800"/>
+              <a:buChar char="-"/>
+            </a:pPr>
+            <a:r>
+              <a:rPr lang="en" sz="1800"/>
+              <a:t>For training</a:t>
+            </a:r>
+            <a:endParaRPr sz="1800"/>
+          </a:p>
+          <a:p>
+            <a:pPr indent="-342900" lvl="1" marL="914400" rtl="0" algn="l">
+              <a:spcBef>
+                <a:spcPts val="0"/>
+              </a:spcBef>
+              <a:spcAft>
+                <a:spcPts val="0"/>
+              </a:spcAft>
+              <a:buSzPts val="1800"/>
+              <a:buChar char="-"/>
+            </a:pPr>
+            <a:r>
+              <a:rPr lang="en" sz="1800"/>
+              <a:t>Go through model.ipynb and run cells under the desired markdown heading</a:t>
+            </a:r>
+            <a:endParaRPr sz="1800"/>
+          </a:p>
+          <a:p>
+            <a:pPr indent="0" lvl="0" marL="0" rtl="0" algn="l">
+              <a:spcBef>
+                <a:spcPts val="360"/>
+              </a:spcBef>
+              <a:spcAft>
+                <a:spcPts val="0"/>
+              </a:spcAft>
+              <a:buNone/>
+            </a:pPr>
+            <a:r>
+              <a:t/>
+            </a:r>
+            <a:endParaRPr sz="1800"/>
+          </a:p>
+          <a:p>
+            <a:pPr indent="-342900" lvl="0" marL="457200" rtl="0" algn="l">
+              <a:spcBef>
+                <a:spcPts val="360"/>
+              </a:spcBef>
+              <a:spcAft>
+                <a:spcPts val="0"/>
+              </a:spcAft>
+              <a:buSzPts val="1800"/>
+              <a:buChar char="-"/>
+            </a:pPr>
+            <a:r>
+              <a:rPr lang="en" sz="1800"/>
+              <a:t>For reproducing prediction results</a:t>
+            </a:r>
+            <a:endParaRPr sz="1800"/>
+          </a:p>
+          <a:p>
+            <a:pPr indent="-342900" lvl="1" marL="914400" rtl="0" algn="l">
+              <a:spcBef>
+                <a:spcPts val="0"/>
+              </a:spcBef>
+              <a:spcAft>
+                <a:spcPts val="0"/>
+              </a:spcAft>
+              <a:buSzPts val="1800"/>
+              <a:buChar char="-"/>
+            </a:pPr>
+            <a:r>
+              <a:rPr lang="en" sz="1800"/>
+              <a:t>run "python reproduce_results.py"</a:t>
+            </a:r>
+            <a:endParaRPr sz="1800"/>
+          </a:p>
+          <a:p>
+            <a:pPr indent="-342900" lvl="1" marL="914400" rtl="0" algn="l">
+              <a:spcBef>
+                <a:spcPts val="0"/>
+              </a:spcBef>
+              <a:spcAft>
+                <a:spcPts val="0"/>
+              </a:spcAft>
+              <a:buSzPts val="1800"/>
+              <a:buChar char="-"/>
+            </a:pPr>
+            <a:r>
+              <a:rPr lang="en" sz="1800"/>
+              <a:t>The result will print on the screen</a:t>
+            </a:r>
+            <a:endParaRPr sz="1800"/>
+          </a:p>
+          <a:p>
+            <a:pPr indent="-342900" lvl="1" marL="914400" rtl="0" algn="l">
+              <a:spcBef>
+                <a:spcPts val="0"/>
+              </a:spcBef>
+              <a:spcAft>
+                <a:spcPts val="0"/>
+              </a:spcAft>
+              <a:buSzPts val="1800"/>
+              <a:buChar char="-"/>
+            </a:pPr>
+            <a:r>
+              <a:rPr lang="en" sz="1800"/>
+              <a:t>The result will also be in the folder ./reproduced_results/e{E value}</a:t>
+            </a:r>
+            <a:endParaRPr sz="1800"/>
+          </a:p>
+          <a:p>
+            <a:pPr indent="0" lvl="0" marL="0" rtl="0" algn="l">
+              <a:spcBef>
+                <a:spcPts val="360"/>
+              </a:spcBef>
+              <a:spcAft>
+                <a:spcPts val="0"/>
+              </a:spcAft>
+              <a:buNone/>
+            </a:pPr>
+            <a:r>
+              <a:t/>
+            </a:r>
+            <a:endParaRPr sz="1800"/>
+          </a:p>
+        </p:txBody>
+      </p:sp>
+    </p:spTree>
+  </p:cSld>
+  <p:clrMapOvr>
+    <a:masterClrMapping/>
+  </p:clrMapOvr>
+</p:sld>
+</file>
+
+<file path=ppt/slides/slide38.xml><?xml version="1.0" encoding="utf-8"?>
+<p:sld xmlns:a="http://schemas.openxmlformats.org/drawingml/2006/main" xmlns:r="http://schemas.openxmlformats.org/officeDocument/2006/relationships" xmlns:mc="http://schemas.openxmlformats.org/markup-compatibility/2006" xmlns:mv="urn:schemas-microsoft-com:mac:vml" xmlns:p="http://schemas.openxmlformats.org/presentationml/2006/main" xmlns:c="http://schemas.openxmlformats.org/drawingml/2006/chart" xmlns:dgm="http://schemas.openxmlformats.org/drawingml/2006/diagram" xmlns:o="urn:schemas-microsoft-com:office:office" xmlns:v="urn:schemas-microsoft-com:vml" xmlns:pvml="urn:schemas-microsoft-com:office:powerpoint" xmlns:com="http://schemas.openxmlformats.org/drawingml/2006/compatibility" xmlns:p14="http://schemas.microsoft.com/office/powerpoint/2010/main" xmlns:p15="http://schemas.microsoft.com/office/powerpoint/2012/main" xmlns:ahyp="http://schemas.microsoft.com/office/drawing/2018/hyperlinkcolor">
+  <p:cSld>
+    <p:spTree>
+      <p:nvGrpSpPr>
+        <p:cNvPr id="348" name="Shape 348"/>
+        <p:cNvGrpSpPr/>
+        <p:nvPr/>
+      </p:nvGrpSpPr>
+      <p:grpSpPr>
+        <a:xfrm>
+          <a:off x="0" y="0"/>
+          <a:ext cx="0" cy="0"/>
+          <a:chOff x="0" y="0"/>
+          <a:chExt cx="0" cy="0"/>
+        </a:xfrm>
+      </p:grpSpPr>
+      <p:sp>
+        <p:nvSpPr>
+          <p:cNvPr id="349" name="Google Shape;349;p62"/>
           <p:cNvSpPr txBox="1"/>
           <p:nvPr>
             <p:ph type="title"/>
